--- a/doc/License Plate Detection.pptx
+++ b/doc/License Plate Detection.pptx
@@ -8,19 +8,21 @@
     <p:sldId id="256" r:id="rId2"/>
     <p:sldId id="257" r:id="rId3"/>
     <p:sldId id="258" r:id="rId4"/>
-    <p:sldId id="259" r:id="rId5"/>
-    <p:sldId id="260" r:id="rId6"/>
-    <p:sldId id="261" r:id="rId7"/>
-    <p:sldId id="263" r:id="rId8"/>
-    <p:sldId id="262" r:id="rId9"/>
-    <p:sldId id="264" r:id="rId10"/>
-    <p:sldId id="265" r:id="rId11"/>
-    <p:sldId id="266" r:id="rId12"/>
-    <p:sldId id="267" r:id="rId13"/>
-    <p:sldId id="268" r:id="rId14"/>
-    <p:sldId id="269" r:id="rId15"/>
-    <p:sldId id="270" r:id="rId16"/>
-    <p:sldId id="272" r:id="rId17"/>
+    <p:sldId id="268" r:id="rId5"/>
+    <p:sldId id="269" r:id="rId6"/>
+    <p:sldId id="259" r:id="rId7"/>
+    <p:sldId id="260" r:id="rId8"/>
+    <p:sldId id="261" r:id="rId9"/>
+    <p:sldId id="263" r:id="rId10"/>
+    <p:sldId id="262" r:id="rId11"/>
+    <p:sldId id="264" r:id="rId12"/>
+    <p:sldId id="265" r:id="rId13"/>
+    <p:sldId id="266" r:id="rId14"/>
+    <p:sldId id="267" r:id="rId15"/>
+    <p:sldId id="273" r:id="rId16"/>
+    <p:sldId id="274" r:id="rId17"/>
+    <p:sldId id="270" r:id="rId18"/>
+    <p:sldId id="272" r:id="rId19"/>
   </p:sldIdLst>
   <p:sldSz cx="12192000" cy="6858000"/>
   <p:notesSz cx="6858000" cy="9144000"/>
@@ -119,6 +121,11 @@
       </a:defRPr>
     </a:lvl9pPr>
   </p:defaultTextStyle>
+  <p:extLst>
+    <p:ext uri="{EFAFB233-063F-42B5-8137-9DF3F51BA10A}">
+      <p15:sldGuideLst xmlns:p15="http://schemas.microsoft.com/office/powerpoint/2012/main"/>
+    </p:ext>
+  </p:extLst>
 </p:presentation>
 </file>
 
@@ -4052,7 +4059,7 @@
           <a:p>
             <a:fld id="{42B5FF83-0B1F-41C5-90A9-70A6B20E0842}" type="datetimeFigureOut">
               <a:rPr lang="sr-Latn-RS" smtClean="0"/>
-              <a:t>18.9.2025.</a:t>
+              <a:t>14.10.2025.</a:t>
             </a:fld>
             <a:endParaRPr lang="sr-Latn-RS"/>
           </a:p>
@@ -4303,7 +4310,7 @@
           <a:p>
             <a:fld id="{42B5FF83-0B1F-41C5-90A9-70A6B20E0842}" type="datetimeFigureOut">
               <a:rPr lang="sr-Latn-RS" smtClean="0"/>
-              <a:t>18.9.2025.</a:t>
+              <a:t>14.10.2025.</a:t>
             </a:fld>
             <a:endParaRPr lang="sr-Latn-RS"/>
           </a:p>
@@ -4617,7 +4624,7 @@
           <a:p>
             <a:fld id="{42B5FF83-0B1F-41C5-90A9-70A6B20E0842}" type="datetimeFigureOut">
               <a:rPr lang="sr-Latn-RS" smtClean="0"/>
-              <a:t>18.9.2025.</a:t>
+              <a:t>14.10.2025.</a:t>
             </a:fld>
             <a:endParaRPr lang="sr-Latn-RS"/>
           </a:p>
@@ -4958,7 +4965,7 @@
           <a:p>
             <a:fld id="{42B5FF83-0B1F-41C5-90A9-70A6B20E0842}" type="datetimeFigureOut">
               <a:rPr lang="sr-Latn-RS" smtClean="0"/>
-              <a:t>18.9.2025.</a:t>
+              <a:t>14.10.2025.</a:t>
             </a:fld>
             <a:endParaRPr lang="sr-Latn-RS"/>
           </a:p>
@@ -5272,7 +5279,7 @@
           <a:p>
             <a:fld id="{42B5FF83-0B1F-41C5-90A9-70A6B20E0842}" type="datetimeFigureOut">
               <a:rPr lang="sr-Latn-RS" smtClean="0"/>
-              <a:t>18.9.2025.</a:t>
+              <a:t>14.10.2025.</a:t>
             </a:fld>
             <a:endParaRPr lang="sr-Latn-RS"/>
           </a:p>
@@ -5665,7 +5672,7 @@
           <a:p>
             <a:fld id="{42B5FF83-0B1F-41C5-90A9-70A6B20E0842}" type="datetimeFigureOut">
               <a:rPr lang="sr-Latn-RS" smtClean="0"/>
-              <a:t>18.9.2025.</a:t>
+              <a:t>14.10.2025.</a:t>
             </a:fld>
             <a:endParaRPr lang="sr-Latn-RS"/>
           </a:p>
@@ -5835,7 +5842,7 @@
           <a:p>
             <a:fld id="{42B5FF83-0B1F-41C5-90A9-70A6B20E0842}" type="datetimeFigureOut">
               <a:rPr lang="sr-Latn-RS" smtClean="0"/>
-              <a:t>18.9.2025.</a:t>
+              <a:t>14.10.2025.</a:t>
             </a:fld>
             <a:endParaRPr lang="sr-Latn-RS"/>
           </a:p>
@@ -6015,7 +6022,7 @@
           <a:p>
             <a:fld id="{42B5FF83-0B1F-41C5-90A9-70A6B20E0842}" type="datetimeFigureOut">
               <a:rPr lang="sr-Latn-RS" smtClean="0"/>
-              <a:t>18.9.2025.</a:t>
+              <a:t>14.10.2025.</a:t>
             </a:fld>
             <a:endParaRPr lang="sr-Latn-RS"/>
           </a:p>
@@ -6191,7 +6198,7 @@
           <a:p>
             <a:fld id="{42B5FF83-0B1F-41C5-90A9-70A6B20E0842}" type="datetimeFigureOut">
               <a:rPr lang="sr-Latn-RS" smtClean="0"/>
-              <a:t>18.9.2025.</a:t>
+              <a:t>14.10.2025.</a:t>
             </a:fld>
             <a:endParaRPr lang="sr-Latn-RS"/>
           </a:p>
@@ -6438,7 +6445,7 @@
           <a:p>
             <a:fld id="{42B5FF83-0B1F-41C5-90A9-70A6B20E0842}" type="datetimeFigureOut">
               <a:rPr lang="sr-Latn-RS" smtClean="0"/>
-              <a:t>18.9.2025.</a:t>
+              <a:t>14.10.2025.</a:t>
             </a:fld>
             <a:endParaRPr lang="sr-Latn-RS"/>
           </a:p>
@@ -6670,7 +6677,7 @@
           <a:p>
             <a:fld id="{42B5FF83-0B1F-41C5-90A9-70A6B20E0842}" type="datetimeFigureOut">
               <a:rPr lang="sr-Latn-RS" smtClean="0"/>
-              <a:t>18.9.2025.</a:t>
+              <a:t>14.10.2025.</a:t>
             </a:fld>
             <a:endParaRPr lang="sr-Latn-RS"/>
           </a:p>
@@ -7044,7 +7051,7 @@
           <a:p>
             <a:fld id="{42B5FF83-0B1F-41C5-90A9-70A6B20E0842}" type="datetimeFigureOut">
               <a:rPr lang="sr-Latn-RS" smtClean="0"/>
-              <a:t>18.9.2025.</a:t>
+              <a:t>14.10.2025.</a:t>
             </a:fld>
             <a:endParaRPr lang="sr-Latn-RS"/>
           </a:p>
@@ -7167,7 +7174,7 @@
           <a:p>
             <a:fld id="{42B5FF83-0B1F-41C5-90A9-70A6B20E0842}" type="datetimeFigureOut">
               <a:rPr lang="sr-Latn-RS" smtClean="0"/>
-              <a:t>18.9.2025.</a:t>
+              <a:t>14.10.2025.</a:t>
             </a:fld>
             <a:endParaRPr lang="sr-Latn-RS"/>
           </a:p>
@@ -7262,7 +7269,7 @@
           <a:p>
             <a:fld id="{42B5FF83-0B1F-41C5-90A9-70A6B20E0842}" type="datetimeFigureOut">
               <a:rPr lang="sr-Latn-RS" smtClean="0"/>
-              <a:t>18.9.2025.</a:t>
+              <a:t>14.10.2025.</a:t>
             </a:fld>
             <a:endParaRPr lang="sr-Latn-RS"/>
           </a:p>
@@ -7517,7 +7524,7 @@
           <a:p>
             <a:fld id="{42B5FF83-0B1F-41C5-90A9-70A6B20E0842}" type="datetimeFigureOut">
               <a:rPr lang="sr-Latn-RS" smtClean="0"/>
-              <a:t>18.9.2025.</a:t>
+              <a:t>14.10.2025.</a:t>
             </a:fld>
             <a:endParaRPr lang="sr-Latn-RS"/>
           </a:p>
@@ -7780,7 +7787,7 @@
           <a:p>
             <a:fld id="{42B5FF83-0B1F-41C5-90A9-70A6B20E0842}" type="datetimeFigureOut">
               <a:rPr lang="sr-Latn-RS" smtClean="0"/>
-              <a:t>18.9.2025.</a:t>
+              <a:t>14.10.2025.</a:t>
             </a:fld>
             <a:endParaRPr lang="sr-Latn-RS"/>
           </a:p>
@@ -8523,7 +8530,7 @@
           <a:p>
             <a:fld id="{42B5FF83-0B1F-41C5-90A9-70A6B20E0842}" type="datetimeFigureOut">
               <a:rPr lang="sr-Latn-RS" smtClean="0"/>
-              <a:t>18.9.2025.</a:t>
+              <a:t>14.10.2025.</a:t>
             </a:fld>
             <a:endParaRPr lang="sr-Latn-RS"/>
           </a:p>
@@ -9119,13 +9126,13 @@
   <p:clrMapOvr>
     <a:masterClrMapping/>
   </p:clrMapOvr>
-  <mc:AlternateContent xmlns:mc="http://schemas.openxmlformats.org/markup-compatibility/2006">
-    <mc:Choice xmlns:p14="http://schemas.microsoft.com/office/powerpoint/2010/main" Requires="p14">
+  <mc:AlternateContent xmlns:mc="http://schemas.openxmlformats.org/markup-compatibility/2006" xmlns:p14="http://schemas.microsoft.com/office/powerpoint/2010/main">
+    <mc:Choice Requires="p14">
       <p:transition spd="med" p14:dur="700">
         <p:fade/>
       </p:transition>
     </mc:Choice>
-    <mc:Fallback>
+    <mc:Fallback xmlns="">
       <p:transition spd="med">
         <p:fade/>
       </p:transition>
@@ -9135,6 +9142,231 @@
 </file>
 
 <file path=ppt/slides/slide10.xml><?xml version="1.0" encoding="utf-8"?>
+<p:sld xmlns:a="http://schemas.openxmlformats.org/drawingml/2006/main" xmlns:r="http://schemas.openxmlformats.org/officeDocument/2006/relationships" xmlns:p="http://schemas.openxmlformats.org/presentationml/2006/main">
+  <p:cSld>
+    <p:spTree>
+      <p:nvGrpSpPr>
+        <p:cNvPr id="1" name="">
+          <a:extLst>
+            <a:ext uri="{FF2B5EF4-FFF2-40B4-BE49-F238E27FC236}">
+              <a16:creationId xmlns:a16="http://schemas.microsoft.com/office/drawing/2014/main" id="{214AF5C9-1248-BBF3-48A2-C14CF28DAE50}"/>
+            </a:ext>
+          </a:extLst>
+        </p:cNvPr>
+        <p:cNvGrpSpPr/>
+        <p:nvPr/>
+      </p:nvGrpSpPr>
+      <p:grpSpPr>
+        <a:xfrm>
+          <a:off x="0" y="0"/>
+          <a:ext cx="0" cy="0"/>
+          <a:chOff x="0" y="0"/>
+          <a:chExt cx="0" cy="0"/>
+        </a:xfrm>
+      </p:grpSpPr>
+      <p:sp>
+        <p:nvSpPr>
+          <p:cNvPr id="2" name="Title 1">
+            <a:extLst>
+              <a:ext uri="{FF2B5EF4-FFF2-40B4-BE49-F238E27FC236}">
+                <a16:creationId xmlns:a16="http://schemas.microsoft.com/office/drawing/2014/main" id="{CF38EEAF-9F9F-D493-9841-3FEED14FEC54}"/>
+              </a:ext>
+            </a:extLst>
+          </p:cNvPr>
+          <p:cNvSpPr>
+            <a:spLocks noGrp="1"/>
+          </p:cNvSpPr>
+          <p:nvPr>
+            <p:ph type="title"/>
+          </p:nvPr>
+        </p:nvSpPr>
+        <p:spPr/>
+        <p:txBody>
+          <a:bodyPr/>
+          <a:lstStyle/>
+          <a:p>
+            <a:r>
+              <a:rPr lang="sr-Latn-RS" dirty="0"/>
+              <a:t>Demonstracija - isecanje</a:t>
+            </a:r>
+          </a:p>
+        </p:txBody>
+      </p:sp>
+      <p:pic>
+        <p:nvPicPr>
+          <p:cNvPr id="5" name="Content Placeholder 4">
+            <a:extLst>
+              <a:ext uri="{FF2B5EF4-FFF2-40B4-BE49-F238E27FC236}">
+                <a16:creationId xmlns:a16="http://schemas.microsoft.com/office/drawing/2014/main" id="{494BDAE5-34F2-261B-5D86-6C5FCF082D18}"/>
+              </a:ext>
+            </a:extLst>
+          </p:cNvPr>
+          <p:cNvPicPr>
+            <a:picLocks noGrp="1" noChangeAspect="1"/>
+          </p:cNvPicPr>
+          <p:nvPr>
+            <p:ph idx="1"/>
+          </p:nvPr>
+        </p:nvPicPr>
+        <p:blipFill>
+          <a:blip r:embed="rId2">
+            <a:extLst>
+              <a:ext uri="{28A0092B-C50C-407E-A947-70E740481C1C}">
+                <a14:useLocalDpi xmlns:a14="http://schemas.microsoft.com/office/drawing/2010/main" val="0"/>
+              </a:ext>
+            </a:extLst>
+          </a:blip>
+          <a:srcRect l="35979" t="69345" r="38763" b="23629"/>
+          <a:stretch>
+            <a:fillRect/>
+          </a:stretch>
+        </p:blipFill>
+        <p:spPr>
+          <a:xfrm>
+            <a:off x="677334" y="2911674"/>
+            <a:ext cx="4959201" cy="1034652"/>
+          </a:xfrm>
+        </p:spPr>
+      </p:pic>
+    </p:spTree>
+    <p:extLst>
+      <p:ext uri="{BB962C8B-B14F-4D97-AF65-F5344CB8AC3E}">
+        <p14:creationId xmlns:p14="http://schemas.microsoft.com/office/powerpoint/2010/main" val="3786093474"/>
+      </p:ext>
+    </p:extLst>
+  </p:cSld>
+  <p:clrMapOvr>
+    <a:masterClrMapping/>
+  </p:clrMapOvr>
+  <mc:AlternateContent xmlns:mc="http://schemas.openxmlformats.org/markup-compatibility/2006">
+    <mc:Choice xmlns:p159="http://schemas.microsoft.com/office/powerpoint/2015/09/main" Requires="p159">
+      <p:transition>
+        <p159:morph option="byObject"/>
+      </p:transition>
+    </mc:Choice>
+    <mc:Fallback>
+      <p:transition>
+        <p:fade/>
+      </p:transition>
+    </mc:Fallback>
+  </mc:AlternateContent>
+</p:sld>
+</file>
+
+<file path=ppt/slides/slide11.xml><?xml version="1.0" encoding="utf-8"?>
+<p:sld xmlns:a="http://schemas.openxmlformats.org/drawingml/2006/main" xmlns:r="http://schemas.openxmlformats.org/officeDocument/2006/relationships" xmlns:p="http://schemas.openxmlformats.org/presentationml/2006/main">
+  <p:cSld>
+    <p:spTree>
+      <p:nvGrpSpPr>
+        <p:cNvPr id="1" name="">
+          <a:extLst>
+            <a:ext uri="{FF2B5EF4-FFF2-40B4-BE49-F238E27FC236}">
+              <a16:creationId xmlns:a16="http://schemas.microsoft.com/office/drawing/2014/main" id="{6197CAA7-4FBF-401E-9BB4-D40F7F2B1267}"/>
+            </a:ext>
+          </a:extLst>
+        </p:cNvPr>
+        <p:cNvGrpSpPr/>
+        <p:nvPr/>
+      </p:nvGrpSpPr>
+      <p:grpSpPr>
+        <a:xfrm>
+          <a:off x="0" y="0"/>
+          <a:ext cx="0" cy="0"/>
+          <a:chOff x="0" y="0"/>
+          <a:chExt cx="0" cy="0"/>
+        </a:xfrm>
+      </p:grpSpPr>
+      <p:sp>
+        <p:nvSpPr>
+          <p:cNvPr id="2" name="Title 1">
+            <a:extLst>
+              <a:ext uri="{FF2B5EF4-FFF2-40B4-BE49-F238E27FC236}">
+                <a16:creationId xmlns:a16="http://schemas.microsoft.com/office/drawing/2014/main" id="{41D5232A-D700-B4BE-FFB8-E315CF736FAD}"/>
+              </a:ext>
+            </a:extLst>
+          </p:cNvPr>
+          <p:cNvSpPr>
+            <a:spLocks noGrp="1"/>
+          </p:cNvSpPr>
+          <p:nvPr>
+            <p:ph type="title"/>
+          </p:nvPr>
+        </p:nvSpPr>
+        <p:spPr/>
+        <p:txBody>
+          <a:bodyPr/>
+          <a:lstStyle/>
+          <a:p>
+            <a:r>
+              <a:rPr lang="sr-Latn-RS" dirty="0"/>
+              <a:t>Demonstracija – obrada slike</a:t>
+            </a:r>
+          </a:p>
+        </p:txBody>
+      </p:sp>
+      <p:pic>
+        <p:nvPicPr>
+          <p:cNvPr id="5" name="Content Placeholder 4">
+            <a:extLst>
+              <a:ext uri="{FF2B5EF4-FFF2-40B4-BE49-F238E27FC236}">
+                <a16:creationId xmlns:a16="http://schemas.microsoft.com/office/drawing/2014/main" id="{27FDACB5-E786-904F-3AAF-2EE89C9F4894}"/>
+              </a:ext>
+            </a:extLst>
+          </p:cNvPr>
+          <p:cNvPicPr>
+            <a:picLocks noGrp="1" noChangeAspect="1"/>
+          </p:cNvPicPr>
+          <p:nvPr>
+            <p:ph idx="1"/>
+          </p:nvPr>
+        </p:nvPicPr>
+        <p:blipFill>
+          <a:blip r:embed="rId2">
+            <a:biLevel thresh="50000"/>
+            <a:extLst>
+              <a:ext uri="{28A0092B-C50C-407E-A947-70E740481C1C}">
+                <a14:useLocalDpi xmlns:a14="http://schemas.microsoft.com/office/drawing/2010/main" val="0"/>
+              </a:ext>
+            </a:extLst>
+          </a:blip>
+          <a:srcRect l="35979" t="69345" r="38763" b="23629"/>
+          <a:stretch>
+            <a:fillRect/>
+          </a:stretch>
+        </p:blipFill>
+        <p:spPr>
+          <a:xfrm>
+            <a:off x="677334" y="2911674"/>
+            <a:ext cx="4959201" cy="1034652"/>
+          </a:xfrm>
+        </p:spPr>
+      </p:pic>
+    </p:spTree>
+    <p:extLst>
+      <p:ext uri="{BB962C8B-B14F-4D97-AF65-F5344CB8AC3E}">
+        <p14:creationId xmlns:p14="http://schemas.microsoft.com/office/powerpoint/2010/main" val="34627041"/>
+      </p:ext>
+    </p:extLst>
+  </p:cSld>
+  <p:clrMapOvr>
+    <a:masterClrMapping/>
+  </p:clrMapOvr>
+  <mc:AlternateContent xmlns:mc="http://schemas.openxmlformats.org/markup-compatibility/2006">
+    <mc:Choice xmlns:p159="http://schemas.microsoft.com/office/powerpoint/2015/09/main" Requires="p159">
+      <p:transition>
+        <p159:morph option="byObject"/>
+      </p:transition>
+    </mc:Choice>
+    <mc:Fallback>
+      <p:transition>
+        <p:fade/>
+      </p:transition>
+    </mc:Fallback>
+  </mc:AlternateContent>
+</p:sld>
+</file>
+
+<file path=ppt/slides/slide12.xml><?xml version="1.0" encoding="utf-8"?>
 <p:sld xmlns:a="http://schemas.openxmlformats.org/drawingml/2006/main" xmlns:r="http://schemas.openxmlformats.org/officeDocument/2006/relationships" xmlns:p="http://schemas.openxmlformats.org/presentationml/2006/main">
   <p:cSld>
     <p:spTree>
@@ -9240,12 +9472,12 @@
   </p:clrMapOvr>
   <mc:AlternateContent xmlns:mc="http://schemas.openxmlformats.org/markup-compatibility/2006">
     <mc:Choice xmlns:p159="http://schemas.microsoft.com/office/powerpoint/2015/09/main" Requires="p159">
-      <p:transition xmlns:p14="http://schemas.microsoft.com/office/powerpoint/2010/main" spd="slow" p14:dur="2000">
+      <p:transition>
         <p159:morph option="byObject"/>
       </p:transition>
     </mc:Choice>
     <mc:Fallback>
-      <p:transition spd="slow">
+      <p:transition>
         <p:fade/>
       </p:transition>
     </mc:Fallback>
@@ -9253,7 +9485,7 @@
 </p:sld>
 </file>
 
-<file path=ppt/slides/slide11.xml><?xml version="1.0" encoding="utf-8"?>
+<file path=ppt/slides/slide13.xml><?xml version="1.0" encoding="utf-8"?>
 <p:sld xmlns:a="http://schemas.openxmlformats.org/drawingml/2006/main" xmlns:r="http://schemas.openxmlformats.org/officeDocument/2006/relationships" xmlns:p="http://schemas.openxmlformats.org/presentationml/2006/main">
   <p:cSld>
     <p:spTree>
@@ -9355,12 +9587,12 @@
   </p:clrMapOvr>
   <mc:AlternateContent xmlns:mc="http://schemas.openxmlformats.org/markup-compatibility/2006">
     <mc:Choice xmlns:p159="http://schemas.microsoft.com/office/powerpoint/2015/09/main" Requires="p159">
-      <p:transition xmlns:p14="http://schemas.microsoft.com/office/powerpoint/2010/main" spd="slow" p14:dur="2000">
+      <p:transition>
         <p159:morph option="byObject"/>
       </p:transition>
     </mc:Choice>
     <mc:Fallback>
-      <p:transition spd="slow">
+      <p:transition>
         <p:fade/>
       </p:transition>
     </mc:Fallback>
@@ -9368,7 +9600,7 @@
 </p:sld>
 </file>
 
-<file path=ppt/slides/slide12.xml><?xml version="1.0" encoding="utf-8"?>
+<file path=ppt/slides/slide14.xml><?xml version="1.0" encoding="utf-8"?>
 <p:sld xmlns:a="http://schemas.openxmlformats.org/drawingml/2006/main" xmlns:r="http://schemas.openxmlformats.org/officeDocument/2006/relationships" xmlns:p="http://schemas.openxmlformats.org/presentationml/2006/main">
   <p:cSld>
     <p:spTree>
@@ -9414,33 +9646,1022 @@
           <a:p>
             <a:r>
               <a:rPr lang="sr-Latn-RS" dirty="0"/>
-              <a:t>Evaluacija sistema</a:t>
-            </a:r>
+              <a:t>Evaluacija Sistema</a:t>
+            </a:r>
+            <a:r>
+              <a:rPr lang="en-US" dirty="0"/>
+              <a:t> - YOLO</a:t>
+            </a:r>
+            <a:endParaRPr lang="sr-Latn-RS" dirty="0"/>
           </a:p>
         </p:txBody>
       </p:sp>
-      <p:sp>
-        <p:nvSpPr>
-          <p:cNvPr id="3" name="Content Placeholder 2">
+      <p:graphicFrame>
+        <p:nvGraphicFramePr>
+          <p:cNvPr id="4" name="Content Placeholder 3">
             <a:extLst>
               <a:ext uri="{FF2B5EF4-FFF2-40B4-BE49-F238E27FC236}">
-                <a16:creationId xmlns:a16="http://schemas.microsoft.com/office/drawing/2014/main" id="{521AD1EB-E9CD-F91E-49B3-88536BB3D233}"/>
+                <a16:creationId xmlns:a16="http://schemas.microsoft.com/office/drawing/2014/main" id="{6568A47E-0322-BDFB-2383-5EC6C84FA1E0}"/>
               </a:ext>
             </a:extLst>
           </p:cNvPr>
-          <p:cNvSpPr>
-            <a:spLocks noGrp="1"/>
-          </p:cNvSpPr>
+          <p:cNvGraphicFramePr>
+            <a:graphicFrameLocks noGrp="1"/>
+          </p:cNvGraphicFramePr>
           <p:nvPr>
             <p:ph idx="1"/>
+            <p:extLst>
+              <p:ext uri="{D42A27DB-BD31-4B8C-83A1-F6EECF244321}">
+                <p14:modId xmlns:p14="http://schemas.microsoft.com/office/powerpoint/2010/main" val="1690649069"/>
+              </p:ext>
+            </p:extLst>
           </p:nvPr>
+        </p:nvGraphicFramePr>
+        <p:xfrm>
+          <a:off x="677334" y="1454075"/>
+          <a:ext cx="8932300" cy="1483360"/>
+        </p:xfrm>
+        <a:graphic>
+          <a:graphicData uri="http://schemas.openxmlformats.org/drawingml/2006/table">
+            <a:tbl>
+              <a:tblPr firstRow="1" bandRow="1">
+                <a:tableStyleId>{5C22544A-7EE6-4342-B048-85BDC9FD1C3A}</a:tableStyleId>
+              </a:tblPr>
+              <a:tblGrid>
+                <a:gridCol w="1786460">
+                  <a:extLst>
+                    <a:ext uri="{9D8B030D-6E8A-4147-A177-3AD203B41FA5}">
+                      <a16:colId xmlns:a16="http://schemas.microsoft.com/office/drawing/2014/main" val="1364248812"/>
+                    </a:ext>
+                  </a:extLst>
+                </a:gridCol>
+                <a:gridCol w="1786460">
+                  <a:extLst>
+                    <a:ext uri="{9D8B030D-6E8A-4147-A177-3AD203B41FA5}">
+                      <a16:colId xmlns:a16="http://schemas.microsoft.com/office/drawing/2014/main" val="2370963011"/>
+                    </a:ext>
+                  </a:extLst>
+                </a:gridCol>
+                <a:gridCol w="1786460">
+                  <a:extLst>
+                    <a:ext uri="{9D8B030D-6E8A-4147-A177-3AD203B41FA5}">
+                      <a16:colId xmlns:a16="http://schemas.microsoft.com/office/drawing/2014/main" val="1268194370"/>
+                    </a:ext>
+                  </a:extLst>
+                </a:gridCol>
+                <a:gridCol w="1786460">
+                  <a:extLst>
+                    <a:ext uri="{9D8B030D-6E8A-4147-A177-3AD203B41FA5}">
+                      <a16:colId xmlns:a16="http://schemas.microsoft.com/office/drawing/2014/main" val="59899557"/>
+                    </a:ext>
+                  </a:extLst>
+                </a:gridCol>
+                <a:gridCol w="1786460">
+                  <a:extLst>
+                    <a:ext uri="{9D8B030D-6E8A-4147-A177-3AD203B41FA5}">
+                      <a16:colId xmlns:a16="http://schemas.microsoft.com/office/drawing/2014/main" val="3447203524"/>
+                    </a:ext>
+                  </a:extLst>
+                </a:gridCol>
+              </a:tblGrid>
+              <a:tr h="370840">
+                <a:tc>
+                  <a:txBody>
+                    <a:bodyPr/>
+                    <a:lstStyle/>
+                    <a:p>
+                      <a:r>
+                        <a:rPr lang="en-US" dirty="0"/>
+                        <a:t>Model</a:t>
+                      </a:r>
+                      <a:endParaRPr lang="sr-Latn-RS" dirty="0"/>
+                    </a:p>
+                  </a:txBody>
+                  <a:tcPr/>
+                </a:tc>
+                <a:tc>
+                  <a:txBody>
+                    <a:bodyPr/>
+                    <a:lstStyle/>
+                    <a:p>
+                      <a:r>
+                        <a:rPr lang="en-US" dirty="0"/>
+                        <a:t>Precision</a:t>
+                      </a:r>
+                      <a:endParaRPr lang="sr-Latn-RS" dirty="0"/>
+                    </a:p>
+                  </a:txBody>
+                  <a:tcPr/>
+                </a:tc>
+                <a:tc>
+                  <a:txBody>
+                    <a:bodyPr/>
+                    <a:lstStyle/>
+                    <a:p>
+                      <a:r>
+                        <a:rPr lang="en-US" dirty="0"/>
+                        <a:t>Recall</a:t>
+                      </a:r>
+                      <a:endParaRPr lang="sr-Latn-RS" dirty="0"/>
+                    </a:p>
+                  </a:txBody>
+                  <a:tcPr/>
+                </a:tc>
+                <a:tc>
+                  <a:txBody>
+                    <a:bodyPr/>
+                    <a:lstStyle/>
+                    <a:p>
+                      <a:r>
+                        <a:rPr lang="en-US" dirty="0"/>
+                        <a:t>mAP@0.5</a:t>
+                      </a:r>
+                      <a:endParaRPr lang="sr-Latn-RS" dirty="0"/>
+                    </a:p>
+                  </a:txBody>
+                  <a:tcPr/>
+                </a:tc>
+                <a:tc>
+                  <a:txBody>
+                    <a:bodyPr/>
+                    <a:lstStyle/>
+                    <a:p>
+                      <a:r>
+                        <a:rPr lang="en-US" dirty="0"/>
+                        <a:t>mAP@0.5:0.95</a:t>
+                      </a:r>
+                      <a:endParaRPr lang="sr-Latn-RS" dirty="0"/>
+                    </a:p>
+                  </a:txBody>
+                  <a:tcPr/>
+                </a:tc>
+                <a:extLst>
+                  <a:ext uri="{0D108BD9-81ED-4DB2-BD59-A6C34878D82A}">
+                    <a16:rowId xmlns:a16="http://schemas.microsoft.com/office/drawing/2014/main" val="3741496318"/>
+                  </a:ext>
+                </a:extLst>
+              </a:tr>
+              <a:tr h="370840">
+                <a:tc>
+                  <a:txBody>
+                    <a:bodyPr/>
+                    <a:lstStyle/>
+                    <a:p>
+                      <a:r>
+                        <a:rPr lang="en-US" sz="1800" kern="1200" dirty="0">
+                          <a:solidFill>
+                            <a:schemeClr val="tx1">
+                              <a:lumMod val="75000"/>
+                              <a:lumOff val="25000"/>
+                            </a:schemeClr>
+                          </a:solidFill>
+                          <a:latin typeface="+mn-lt"/>
+                          <a:ea typeface="+mn-ea"/>
+                          <a:cs typeface="+mn-cs"/>
+                        </a:rPr>
+                        <a:t>Small</a:t>
+                      </a:r>
+                      <a:endParaRPr lang="sr-Latn-RS" sz="1800" kern="1200" dirty="0">
+                        <a:solidFill>
+                          <a:schemeClr val="tx1">
+                            <a:lumMod val="75000"/>
+                            <a:lumOff val="25000"/>
+                          </a:schemeClr>
+                        </a:solidFill>
+                        <a:latin typeface="+mn-lt"/>
+                        <a:ea typeface="+mn-ea"/>
+                        <a:cs typeface="+mn-cs"/>
+                      </a:endParaRPr>
+                    </a:p>
+                  </a:txBody>
+                  <a:tcPr/>
+                </a:tc>
+                <a:tc>
+                  <a:txBody>
+                    <a:bodyPr/>
+                    <a:lstStyle/>
+                    <a:p>
+                      <a:r>
+                        <a:rPr lang="en-US" sz="1800" kern="1200" dirty="0">
+                          <a:solidFill>
+                            <a:schemeClr val="tx1">
+                              <a:lumMod val="75000"/>
+                              <a:lumOff val="25000"/>
+                            </a:schemeClr>
+                          </a:solidFill>
+                          <a:latin typeface="+mn-lt"/>
+                          <a:ea typeface="+mn-ea"/>
+                          <a:cs typeface="+mn-cs"/>
+                        </a:rPr>
+                        <a:t>0.9743</a:t>
+                      </a:r>
+                      <a:endParaRPr lang="sr-Latn-RS" sz="1800" kern="1200" dirty="0">
+                        <a:solidFill>
+                          <a:schemeClr val="tx1">
+                            <a:lumMod val="75000"/>
+                            <a:lumOff val="25000"/>
+                          </a:schemeClr>
+                        </a:solidFill>
+                        <a:latin typeface="+mn-lt"/>
+                        <a:ea typeface="+mn-ea"/>
+                        <a:cs typeface="+mn-cs"/>
+                      </a:endParaRPr>
+                    </a:p>
+                  </a:txBody>
+                  <a:tcPr/>
+                </a:tc>
+                <a:tc>
+                  <a:txBody>
+                    <a:bodyPr/>
+                    <a:lstStyle/>
+                    <a:p>
+                      <a:r>
+                        <a:rPr lang="en-US" sz="1800" kern="1200" dirty="0">
+                          <a:solidFill>
+                            <a:schemeClr val="tx1">
+                              <a:lumMod val="75000"/>
+                              <a:lumOff val="25000"/>
+                            </a:schemeClr>
+                          </a:solidFill>
+                          <a:latin typeface="+mn-lt"/>
+                          <a:ea typeface="+mn-ea"/>
+                          <a:cs typeface="+mn-cs"/>
+                        </a:rPr>
+                        <a:t>0.9333</a:t>
+                      </a:r>
+                      <a:endParaRPr lang="sr-Latn-RS" sz="1800" kern="1200" dirty="0">
+                        <a:solidFill>
+                          <a:schemeClr val="tx1">
+                            <a:lumMod val="75000"/>
+                            <a:lumOff val="25000"/>
+                          </a:schemeClr>
+                        </a:solidFill>
+                        <a:latin typeface="+mn-lt"/>
+                        <a:ea typeface="+mn-ea"/>
+                        <a:cs typeface="+mn-cs"/>
+                      </a:endParaRPr>
+                    </a:p>
+                  </a:txBody>
+                  <a:tcPr/>
+                </a:tc>
+                <a:tc>
+                  <a:txBody>
+                    <a:bodyPr/>
+                    <a:lstStyle/>
+                    <a:p>
+                      <a:r>
+                        <a:rPr lang="en-US" sz="1800" kern="1200" dirty="0">
+                          <a:solidFill>
+                            <a:schemeClr val="tx1">
+                              <a:lumMod val="75000"/>
+                              <a:lumOff val="25000"/>
+                            </a:schemeClr>
+                          </a:solidFill>
+                          <a:latin typeface="+mn-lt"/>
+                          <a:ea typeface="+mn-ea"/>
+                          <a:cs typeface="+mn-cs"/>
+                        </a:rPr>
+                        <a:t>0.9850</a:t>
+                      </a:r>
+                      <a:endParaRPr lang="sr-Latn-RS" sz="1800" kern="1200" dirty="0">
+                        <a:solidFill>
+                          <a:schemeClr val="tx1">
+                            <a:lumMod val="75000"/>
+                            <a:lumOff val="25000"/>
+                          </a:schemeClr>
+                        </a:solidFill>
+                        <a:latin typeface="+mn-lt"/>
+                        <a:ea typeface="+mn-ea"/>
+                        <a:cs typeface="+mn-cs"/>
+                      </a:endParaRPr>
+                    </a:p>
+                  </a:txBody>
+                  <a:tcPr/>
+                </a:tc>
+                <a:tc>
+                  <a:txBody>
+                    <a:bodyPr/>
+                    <a:lstStyle/>
+                    <a:p>
+                      <a:r>
+                        <a:rPr lang="en-US" sz="1800" kern="1200" dirty="0">
+                          <a:solidFill>
+                            <a:schemeClr val="tx1">
+                              <a:lumMod val="75000"/>
+                              <a:lumOff val="25000"/>
+                            </a:schemeClr>
+                          </a:solidFill>
+                          <a:latin typeface="+mn-lt"/>
+                          <a:ea typeface="+mn-ea"/>
+                          <a:cs typeface="+mn-cs"/>
+                        </a:rPr>
+                        <a:t>0.5787</a:t>
+                      </a:r>
+                      <a:endParaRPr lang="sr-Latn-RS" sz="1800" kern="1200" dirty="0">
+                        <a:solidFill>
+                          <a:schemeClr val="tx1">
+                            <a:lumMod val="75000"/>
+                            <a:lumOff val="25000"/>
+                          </a:schemeClr>
+                        </a:solidFill>
+                        <a:latin typeface="+mn-lt"/>
+                        <a:ea typeface="+mn-ea"/>
+                        <a:cs typeface="+mn-cs"/>
+                      </a:endParaRPr>
+                    </a:p>
+                  </a:txBody>
+                  <a:tcPr/>
+                </a:tc>
+                <a:extLst>
+                  <a:ext uri="{0D108BD9-81ED-4DB2-BD59-A6C34878D82A}">
+                    <a16:rowId xmlns:a16="http://schemas.microsoft.com/office/drawing/2014/main" val="4115843608"/>
+                  </a:ext>
+                </a:extLst>
+              </a:tr>
+              <a:tr h="370840">
+                <a:tc>
+                  <a:txBody>
+                    <a:bodyPr/>
+                    <a:lstStyle/>
+                    <a:p>
+                      <a:r>
+                        <a:rPr lang="en-US" sz="1800" kern="1200" dirty="0">
+                          <a:solidFill>
+                            <a:schemeClr val="tx1">
+                              <a:lumMod val="75000"/>
+                              <a:lumOff val="25000"/>
+                            </a:schemeClr>
+                          </a:solidFill>
+                          <a:latin typeface="+mn-lt"/>
+                          <a:ea typeface="+mn-ea"/>
+                          <a:cs typeface="+mn-cs"/>
+                        </a:rPr>
+                        <a:t>Mid</a:t>
+                      </a:r>
+                      <a:endParaRPr lang="sr-Latn-RS" sz="1800" kern="1200" dirty="0">
+                        <a:solidFill>
+                          <a:schemeClr val="tx1">
+                            <a:lumMod val="75000"/>
+                            <a:lumOff val="25000"/>
+                          </a:schemeClr>
+                        </a:solidFill>
+                        <a:latin typeface="+mn-lt"/>
+                        <a:ea typeface="+mn-ea"/>
+                        <a:cs typeface="+mn-cs"/>
+                      </a:endParaRPr>
+                    </a:p>
+                  </a:txBody>
+                  <a:tcPr/>
+                </a:tc>
+                <a:tc>
+                  <a:txBody>
+                    <a:bodyPr/>
+                    <a:lstStyle/>
+                    <a:p>
+                      <a:r>
+                        <a:rPr lang="en-US" sz="1800" kern="1200" dirty="0">
+                          <a:solidFill>
+                            <a:schemeClr val="tx1">
+                              <a:lumMod val="75000"/>
+                              <a:lumOff val="25000"/>
+                            </a:schemeClr>
+                          </a:solidFill>
+                          <a:latin typeface="+mn-lt"/>
+                          <a:ea typeface="+mn-ea"/>
+                          <a:cs typeface="+mn-cs"/>
+                        </a:rPr>
+                        <a:t>0.9280</a:t>
+                      </a:r>
+                      <a:endParaRPr lang="sr-Latn-RS" sz="1800" kern="1200" dirty="0">
+                        <a:solidFill>
+                          <a:schemeClr val="tx1">
+                            <a:lumMod val="75000"/>
+                            <a:lumOff val="25000"/>
+                          </a:schemeClr>
+                        </a:solidFill>
+                        <a:latin typeface="+mn-lt"/>
+                        <a:ea typeface="+mn-ea"/>
+                        <a:cs typeface="+mn-cs"/>
+                      </a:endParaRPr>
+                    </a:p>
+                  </a:txBody>
+                  <a:tcPr/>
+                </a:tc>
+                <a:tc>
+                  <a:txBody>
+                    <a:bodyPr/>
+                    <a:lstStyle/>
+                    <a:p>
+                      <a:r>
+                        <a:rPr lang="en-US" sz="1800" kern="1200" dirty="0">
+                          <a:solidFill>
+                            <a:schemeClr val="tx1">
+                              <a:lumMod val="75000"/>
+                              <a:lumOff val="25000"/>
+                            </a:schemeClr>
+                          </a:solidFill>
+                          <a:latin typeface="+mn-lt"/>
+                          <a:ea typeface="+mn-ea"/>
+                          <a:cs typeface="+mn-cs"/>
+                        </a:rPr>
+                        <a:t>0.8596</a:t>
+                      </a:r>
+                      <a:endParaRPr lang="sr-Latn-RS" sz="1800" kern="1200" dirty="0">
+                        <a:solidFill>
+                          <a:schemeClr val="tx1">
+                            <a:lumMod val="75000"/>
+                            <a:lumOff val="25000"/>
+                          </a:schemeClr>
+                        </a:solidFill>
+                        <a:latin typeface="+mn-lt"/>
+                        <a:ea typeface="+mn-ea"/>
+                        <a:cs typeface="+mn-cs"/>
+                      </a:endParaRPr>
+                    </a:p>
+                  </a:txBody>
+                  <a:tcPr/>
+                </a:tc>
+                <a:tc>
+                  <a:txBody>
+                    <a:bodyPr/>
+                    <a:lstStyle/>
+                    <a:p>
+                      <a:r>
+                        <a:rPr lang="en-US" sz="1800" kern="1200" dirty="0">
+                          <a:solidFill>
+                            <a:schemeClr val="tx1">
+                              <a:lumMod val="75000"/>
+                              <a:lumOff val="25000"/>
+                            </a:schemeClr>
+                          </a:solidFill>
+                          <a:latin typeface="+mn-lt"/>
+                          <a:ea typeface="+mn-ea"/>
+                          <a:cs typeface="+mn-cs"/>
+                        </a:rPr>
+                        <a:t>0.9622</a:t>
+                      </a:r>
+                      <a:endParaRPr lang="sr-Latn-RS" sz="1800" kern="1200" dirty="0">
+                        <a:solidFill>
+                          <a:schemeClr val="tx1">
+                            <a:lumMod val="75000"/>
+                            <a:lumOff val="25000"/>
+                          </a:schemeClr>
+                        </a:solidFill>
+                        <a:latin typeface="+mn-lt"/>
+                        <a:ea typeface="+mn-ea"/>
+                        <a:cs typeface="+mn-cs"/>
+                      </a:endParaRPr>
+                    </a:p>
+                  </a:txBody>
+                  <a:tcPr/>
+                </a:tc>
+                <a:tc>
+                  <a:txBody>
+                    <a:bodyPr/>
+                    <a:lstStyle/>
+                    <a:p>
+                      <a:r>
+                        <a:rPr lang="en-US" sz="1800" kern="1200" dirty="0">
+                          <a:solidFill>
+                            <a:schemeClr val="tx1">
+                              <a:lumMod val="75000"/>
+                              <a:lumOff val="25000"/>
+                            </a:schemeClr>
+                          </a:solidFill>
+                          <a:latin typeface="+mn-lt"/>
+                          <a:ea typeface="+mn-ea"/>
+                          <a:cs typeface="+mn-cs"/>
+                        </a:rPr>
+                        <a:t>0.5850</a:t>
+                      </a:r>
+                      <a:endParaRPr lang="sr-Latn-RS" sz="1800" kern="1200" dirty="0">
+                        <a:solidFill>
+                          <a:schemeClr val="tx1">
+                            <a:lumMod val="75000"/>
+                            <a:lumOff val="25000"/>
+                          </a:schemeClr>
+                        </a:solidFill>
+                        <a:latin typeface="+mn-lt"/>
+                        <a:ea typeface="+mn-ea"/>
+                        <a:cs typeface="+mn-cs"/>
+                      </a:endParaRPr>
+                    </a:p>
+                  </a:txBody>
+                  <a:tcPr/>
+                </a:tc>
+                <a:extLst>
+                  <a:ext uri="{0D108BD9-81ED-4DB2-BD59-A6C34878D82A}">
+                    <a16:rowId xmlns:a16="http://schemas.microsoft.com/office/drawing/2014/main" val="3858664417"/>
+                  </a:ext>
+                </a:extLst>
+              </a:tr>
+              <a:tr h="370840">
+                <a:tc>
+                  <a:txBody>
+                    <a:bodyPr/>
+                    <a:lstStyle/>
+                    <a:p>
+                      <a:r>
+                        <a:rPr lang="en-US" sz="1800" kern="1200" dirty="0">
+                          <a:solidFill>
+                            <a:schemeClr val="tx1">
+                              <a:lumMod val="75000"/>
+                              <a:lumOff val="25000"/>
+                            </a:schemeClr>
+                          </a:solidFill>
+                          <a:latin typeface="+mn-lt"/>
+                          <a:ea typeface="+mn-ea"/>
+                          <a:cs typeface="+mn-cs"/>
+                        </a:rPr>
+                        <a:t>Large</a:t>
+                      </a:r>
+                      <a:endParaRPr lang="sr-Latn-RS" sz="1800" kern="1200" dirty="0">
+                        <a:solidFill>
+                          <a:schemeClr val="tx1">
+                            <a:lumMod val="75000"/>
+                            <a:lumOff val="25000"/>
+                          </a:schemeClr>
+                        </a:solidFill>
+                        <a:latin typeface="+mn-lt"/>
+                        <a:ea typeface="+mn-ea"/>
+                        <a:cs typeface="+mn-cs"/>
+                      </a:endParaRPr>
+                    </a:p>
+                  </a:txBody>
+                  <a:tcPr/>
+                </a:tc>
+                <a:tc>
+                  <a:txBody>
+                    <a:bodyPr/>
+                    <a:lstStyle/>
+                    <a:p>
+                      <a:r>
+                        <a:rPr lang="en-US" sz="1800" kern="1200" dirty="0">
+                          <a:solidFill>
+                            <a:schemeClr val="tx1">
+                              <a:lumMod val="75000"/>
+                              <a:lumOff val="25000"/>
+                            </a:schemeClr>
+                          </a:solidFill>
+                          <a:latin typeface="+mn-lt"/>
+                          <a:ea typeface="+mn-ea"/>
+                          <a:cs typeface="+mn-cs"/>
+                        </a:rPr>
+                        <a:t>0.9955</a:t>
+                      </a:r>
+                      <a:endParaRPr lang="sr-Latn-RS" sz="1800" kern="1200" dirty="0">
+                        <a:solidFill>
+                          <a:schemeClr val="tx1">
+                            <a:lumMod val="75000"/>
+                            <a:lumOff val="25000"/>
+                          </a:schemeClr>
+                        </a:solidFill>
+                        <a:latin typeface="+mn-lt"/>
+                        <a:ea typeface="+mn-ea"/>
+                        <a:cs typeface="+mn-cs"/>
+                      </a:endParaRPr>
+                    </a:p>
+                  </a:txBody>
+                  <a:tcPr/>
+                </a:tc>
+                <a:tc>
+                  <a:txBody>
+                    <a:bodyPr/>
+                    <a:lstStyle/>
+                    <a:p>
+                      <a:r>
+                        <a:rPr lang="en-US" sz="1800" kern="1200" dirty="0">
+                          <a:solidFill>
+                            <a:schemeClr val="tx1">
+                              <a:lumMod val="75000"/>
+                              <a:lumOff val="25000"/>
+                            </a:schemeClr>
+                          </a:solidFill>
+                          <a:latin typeface="+mn-lt"/>
+                          <a:ea typeface="+mn-ea"/>
+                          <a:cs typeface="+mn-cs"/>
+                        </a:rPr>
+                        <a:t>1.0000</a:t>
+                      </a:r>
+                      <a:endParaRPr lang="sr-Latn-RS" sz="1800" kern="1200" dirty="0">
+                        <a:solidFill>
+                          <a:schemeClr val="tx1">
+                            <a:lumMod val="75000"/>
+                            <a:lumOff val="25000"/>
+                          </a:schemeClr>
+                        </a:solidFill>
+                        <a:latin typeface="+mn-lt"/>
+                        <a:ea typeface="+mn-ea"/>
+                        <a:cs typeface="+mn-cs"/>
+                      </a:endParaRPr>
+                    </a:p>
+                  </a:txBody>
+                  <a:tcPr/>
+                </a:tc>
+                <a:tc>
+                  <a:txBody>
+                    <a:bodyPr/>
+                    <a:lstStyle/>
+                    <a:p>
+                      <a:r>
+                        <a:rPr lang="en-US" sz="1800" kern="1200" dirty="0">
+                          <a:solidFill>
+                            <a:schemeClr val="tx1">
+                              <a:lumMod val="75000"/>
+                              <a:lumOff val="25000"/>
+                            </a:schemeClr>
+                          </a:solidFill>
+                          <a:latin typeface="+mn-lt"/>
+                          <a:ea typeface="+mn-ea"/>
+                          <a:cs typeface="+mn-cs"/>
+                        </a:rPr>
+                        <a:t>0.9950</a:t>
+                      </a:r>
+                      <a:endParaRPr lang="sr-Latn-RS" sz="1800" kern="1200" dirty="0">
+                        <a:solidFill>
+                          <a:schemeClr val="tx1">
+                            <a:lumMod val="75000"/>
+                            <a:lumOff val="25000"/>
+                          </a:schemeClr>
+                        </a:solidFill>
+                        <a:latin typeface="+mn-lt"/>
+                        <a:ea typeface="+mn-ea"/>
+                        <a:cs typeface="+mn-cs"/>
+                      </a:endParaRPr>
+                    </a:p>
+                  </a:txBody>
+                  <a:tcPr/>
+                </a:tc>
+                <a:tc>
+                  <a:txBody>
+                    <a:bodyPr/>
+                    <a:lstStyle/>
+                    <a:p>
+                      <a:r>
+                        <a:rPr lang="en-US" sz="1800" kern="1200" dirty="0">
+                          <a:solidFill>
+                            <a:schemeClr val="tx1">
+                              <a:lumMod val="75000"/>
+                              <a:lumOff val="25000"/>
+                            </a:schemeClr>
+                          </a:solidFill>
+                          <a:latin typeface="+mn-lt"/>
+                          <a:ea typeface="+mn-ea"/>
+                          <a:cs typeface="+mn-cs"/>
+                        </a:rPr>
+                        <a:t>0.7629</a:t>
+                      </a:r>
+                      <a:endParaRPr lang="sr-Latn-RS" sz="1800" kern="1200" dirty="0">
+                        <a:solidFill>
+                          <a:schemeClr val="tx1">
+                            <a:lumMod val="75000"/>
+                            <a:lumOff val="25000"/>
+                          </a:schemeClr>
+                        </a:solidFill>
+                        <a:latin typeface="+mn-lt"/>
+                        <a:ea typeface="+mn-ea"/>
+                        <a:cs typeface="+mn-cs"/>
+                      </a:endParaRPr>
+                    </a:p>
+                  </a:txBody>
+                  <a:tcPr/>
+                </a:tc>
+                <a:extLst>
+                  <a:ext uri="{0D108BD9-81ED-4DB2-BD59-A6C34878D82A}">
+                    <a16:rowId xmlns:a16="http://schemas.microsoft.com/office/drawing/2014/main" val="1272539326"/>
+                  </a:ext>
+                </a:extLst>
+              </a:tr>
+            </a:tbl>
+          </a:graphicData>
+        </a:graphic>
+      </p:graphicFrame>
+      <p:sp>
+        <p:nvSpPr>
+          <p:cNvPr id="6" name="Content Placeholder 2">
+            <a:extLst>
+              <a:ext uri="{FF2B5EF4-FFF2-40B4-BE49-F238E27FC236}">
+                <a16:creationId xmlns:a16="http://schemas.microsoft.com/office/drawing/2014/main" id="{1CBB3CBD-D9B0-0E1C-15B2-C33C3641625D}"/>
+              </a:ext>
+            </a:extLst>
+          </p:cNvPr>
+          <p:cNvSpPr txBox="1">
+            <a:spLocks/>
+          </p:cNvSpPr>
+          <p:nvPr/>
         </p:nvSpPr>
-        <p:spPr/>
+        <p:spPr>
+          <a:xfrm>
+            <a:off x="677334" y="3429000"/>
+            <a:ext cx="8596668" cy="2096891"/>
+          </a:xfrm>
+          <a:prstGeom prst="rect">
+            <a:avLst/>
+          </a:prstGeom>
+        </p:spPr>
         <p:txBody>
-          <a:bodyPr/>
-          <a:lstStyle/>
-          <a:p>
+          <a:bodyPr vert="horz" lIns="91440" tIns="45720" rIns="91440" bIns="45720" rtlCol="0">
+            <a:normAutofit lnSpcReduction="10000"/>
+          </a:bodyPr>
+          <a:lstStyle>
+            <a:lvl1pPr marL="342900" indent="-342900" algn="l" defTabSz="457200" rtl="0" eaLnBrk="1" latinLnBrk="0" hangingPunct="1">
+              <a:spcBef>
+                <a:spcPts val="1000"/>
+              </a:spcBef>
+              <a:spcAft>
+                <a:spcPts val="0"/>
+              </a:spcAft>
+              <a:buClr>
+                <a:schemeClr val="accent1"/>
+              </a:buClr>
+              <a:buSzPct val="80000"/>
+              <a:buFont typeface="Wingdings 3" charset="2"/>
+              <a:buChar char=""/>
+              <a:defRPr sz="1800" kern="1200">
+                <a:solidFill>
+                  <a:schemeClr val="tx1">
+                    <a:lumMod val="75000"/>
+                    <a:lumOff val="25000"/>
+                  </a:schemeClr>
+                </a:solidFill>
+                <a:latin typeface="+mn-lt"/>
+                <a:ea typeface="+mn-ea"/>
+                <a:cs typeface="+mn-cs"/>
+              </a:defRPr>
+            </a:lvl1pPr>
+            <a:lvl2pPr marL="742950" indent="-285750" algn="l" defTabSz="457200" rtl="0" eaLnBrk="1" latinLnBrk="0" hangingPunct="1">
+              <a:spcBef>
+                <a:spcPts val="1000"/>
+              </a:spcBef>
+              <a:spcAft>
+                <a:spcPts val="0"/>
+              </a:spcAft>
+              <a:buClr>
+                <a:schemeClr val="accent1"/>
+              </a:buClr>
+              <a:buSzPct val="80000"/>
+              <a:buFont typeface="Wingdings 3" charset="2"/>
+              <a:buChar char=""/>
+              <a:defRPr sz="1600" kern="1200">
+                <a:solidFill>
+                  <a:schemeClr val="tx1">
+                    <a:lumMod val="75000"/>
+                    <a:lumOff val="25000"/>
+                  </a:schemeClr>
+                </a:solidFill>
+                <a:latin typeface="+mn-lt"/>
+                <a:ea typeface="+mn-ea"/>
+                <a:cs typeface="+mn-cs"/>
+              </a:defRPr>
+            </a:lvl2pPr>
+            <a:lvl3pPr marL="1143000" indent="-228600" algn="l" defTabSz="457200" rtl="0" eaLnBrk="1" latinLnBrk="0" hangingPunct="1">
+              <a:spcBef>
+                <a:spcPts val="1000"/>
+              </a:spcBef>
+              <a:spcAft>
+                <a:spcPts val="0"/>
+              </a:spcAft>
+              <a:buClr>
+                <a:schemeClr val="accent1"/>
+              </a:buClr>
+              <a:buSzPct val="80000"/>
+              <a:buFont typeface="Wingdings 3" charset="2"/>
+              <a:buChar char=""/>
+              <a:defRPr sz="1400" kern="1200">
+                <a:solidFill>
+                  <a:schemeClr val="tx1">
+                    <a:lumMod val="75000"/>
+                    <a:lumOff val="25000"/>
+                  </a:schemeClr>
+                </a:solidFill>
+                <a:latin typeface="+mn-lt"/>
+                <a:ea typeface="+mn-ea"/>
+                <a:cs typeface="+mn-cs"/>
+              </a:defRPr>
+            </a:lvl3pPr>
+            <a:lvl4pPr marL="1600200" indent="-228600" algn="l" defTabSz="457200" rtl="0" eaLnBrk="1" latinLnBrk="0" hangingPunct="1">
+              <a:spcBef>
+                <a:spcPts val="1000"/>
+              </a:spcBef>
+              <a:spcAft>
+                <a:spcPts val="0"/>
+              </a:spcAft>
+              <a:buClr>
+                <a:schemeClr val="accent1"/>
+              </a:buClr>
+              <a:buSzPct val="80000"/>
+              <a:buFont typeface="Wingdings 3" charset="2"/>
+              <a:buChar char=""/>
+              <a:defRPr sz="1200" kern="1200">
+                <a:solidFill>
+                  <a:schemeClr val="tx1">
+                    <a:lumMod val="75000"/>
+                    <a:lumOff val="25000"/>
+                  </a:schemeClr>
+                </a:solidFill>
+                <a:latin typeface="+mn-lt"/>
+                <a:ea typeface="+mn-ea"/>
+                <a:cs typeface="+mn-cs"/>
+              </a:defRPr>
+            </a:lvl4pPr>
+            <a:lvl5pPr marL="2057400" indent="-228600" algn="l" defTabSz="457200" rtl="0" eaLnBrk="1" latinLnBrk="0" hangingPunct="1">
+              <a:spcBef>
+                <a:spcPts val="1000"/>
+              </a:spcBef>
+              <a:spcAft>
+                <a:spcPts val="0"/>
+              </a:spcAft>
+              <a:buClr>
+                <a:schemeClr val="accent1"/>
+              </a:buClr>
+              <a:buSzPct val="80000"/>
+              <a:buFont typeface="Wingdings 3" charset="2"/>
+              <a:buChar char=""/>
+              <a:defRPr sz="1200" kern="1200">
+                <a:solidFill>
+                  <a:schemeClr val="tx1">
+                    <a:lumMod val="75000"/>
+                    <a:lumOff val="25000"/>
+                  </a:schemeClr>
+                </a:solidFill>
+                <a:latin typeface="+mn-lt"/>
+                <a:ea typeface="+mn-ea"/>
+                <a:cs typeface="+mn-cs"/>
+              </a:defRPr>
+            </a:lvl5pPr>
+            <a:lvl6pPr marL="2514600" indent="-228600" algn="l" defTabSz="457200" rtl="0" eaLnBrk="1" latinLnBrk="0" hangingPunct="1">
+              <a:spcBef>
+                <a:spcPts val="1000"/>
+              </a:spcBef>
+              <a:spcAft>
+                <a:spcPts val="0"/>
+              </a:spcAft>
+              <a:buClr>
+                <a:schemeClr val="accent1"/>
+              </a:buClr>
+              <a:buSzPct val="80000"/>
+              <a:buFont typeface="Wingdings 3" charset="2"/>
+              <a:buChar char=""/>
+              <a:defRPr sz="1200" kern="1200">
+                <a:solidFill>
+                  <a:schemeClr val="tx1">
+                    <a:lumMod val="75000"/>
+                    <a:lumOff val="25000"/>
+                  </a:schemeClr>
+                </a:solidFill>
+                <a:latin typeface="+mn-lt"/>
+                <a:ea typeface="+mn-ea"/>
+                <a:cs typeface="+mn-cs"/>
+              </a:defRPr>
+            </a:lvl6pPr>
+            <a:lvl7pPr marL="2971800" indent="-228600" algn="l" defTabSz="457200" rtl="0" eaLnBrk="1" latinLnBrk="0" hangingPunct="1">
+              <a:spcBef>
+                <a:spcPts val="1000"/>
+              </a:spcBef>
+              <a:spcAft>
+                <a:spcPts val="0"/>
+              </a:spcAft>
+              <a:buClr>
+                <a:schemeClr val="accent1"/>
+              </a:buClr>
+              <a:buSzPct val="80000"/>
+              <a:buFont typeface="Wingdings 3" charset="2"/>
+              <a:buChar char=""/>
+              <a:defRPr sz="1200" kern="1200">
+                <a:solidFill>
+                  <a:schemeClr val="tx1">
+                    <a:lumMod val="75000"/>
+                    <a:lumOff val="25000"/>
+                  </a:schemeClr>
+                </a:solidFill>
+                <a:latin typeface="+mn-lt"/>
+                <a:ea typeface="+mn-ea"/>
+                <a:cs typeface="+mn-cs"/>
+              </a:defRPr>
+            </a:lvl7pPr>
+            <a:lvl8pPr marL="3429000" indent="-228600" algn="l" defTabSz="457200" rtl="0" eaLnBrk="1" latinLnBrk="0" hangingPunct="1">
+              <a:spcBef>
+                <a:spcPts val="1000"/>
+              </a:spcBef>
+              <a:spcAft>
+                <a:spcPts val="0"/>
+              </a:spcAft>
+              <a:buClr>
+                <a:schemeClr val="accent1"/>
+              </a:buClr>
+              <a:buSzPct val="80000"/>
+              <a:buFont typeface="Wingdings 3" charset="2"/>
+              <a:buChar char=""/>
+              <a:defRPr sz="1200" kern="1200">
+                <a:solidFill>
+                  <a:schemeClr val="tx1">
+                    <a:lumMod val="75000"/>
+                    <a:lumOff val="25000"/>
+                  </a:schemeClr>
+                </a:solidFill>
+                <a:latin typeface="+mn-lt"/>
+                <a:ea typeface="+mn-ea"/>
+                <a:cs typeface="+mn-cs"/>
+              </a:defRPr>
+            </a:lvl8pPr>
+            <a:lvl9pPr marL="3886200" indent="-228600" algn="l" defTabSz="457200" rtl="0" eaLnBrk="1" latinLnBrk="0" hangingPunct="1">
+              <a:spcBef>
+                <a:spcPts val="1000"/>
+              </a:spcBef>
+              <a:spcAft>
+                <a:spcPts val="0"/>
+              </a:spcAft>
+              <a:buClr>
+                <a:schemeClr val="accent1"/>
+              </a:buClr>
+              <a:buSzPct val="80000"/>
+              <a:buFont typeface="Wingdings 3" charset="2"/>
+              <a:buChar char=""/>
+              <a:defRPr sz="1200" kern="1200">
+                <a:solidFill>
+                  <a:schemeClr val="tx1">
+                    <a:lumMod val="75000"/>
+                    <a:lumOff val="25000"/>
+                  </a:schemeClr>
+                </a:solidFill>
+                <a:latin typeface="+mn-lt"/>
+                <a:ea typeface="+mn-ea"/>
+                <a:cs typeface="+mn-cs"/>
+              </a:defRPr>
+            </a:lvl9pPr>
+          </a:lstStyle>
+          <a:p>
+            <a:r>
+              <a:rPr lang="sr-Latn-RS" b="1" dirty="0"/>
+              <a:t>Zaključak:</a:t>
+            </a:r>
             <a:endParaRPr lang="sr-Latn-RS" dirty="0"/>
+          </a:p>
+          <a:p>
+            <a:r>
+              <a:rPr lang="en-US" dirty="0"/>
+              <a:t>L</a:t>
+            </a:r>
+            <a:r>
+              <a:rPr lang="sr-Latn-RS" dirty="0" err="1"/>
+              <a:t>arge</a:t>
+            </a:r>
+            <a:r>
+              <a:rPr lang="sr-Latn-RS" dirty="0"/>
+              <a:t> model je najbolji: gotovo sve tablice detektuje (</a:t>
+            </a:r>
+            <a:r>
+              <a:rPr lang="sr-Latn-RS" dirty="0" err="1"/>
+              <a:t>Recall</a:t>
+            </a:r>
+            <a:r>
+              <a:rPr lang="sr-Latn-RS" dirty="0"/>
+              <a:t>=1) i gotovo sve predikcije su tačne (</a:t>
+            </a:r>
+            <a:r>
+              <a:rPr lang="sr-Latn-RS" dirty="0" err="1"/>
+              <a:t>Precision</a:t>
+            </a:r>
+            <a:r>
+              <a:rPr lang="sr-Latn-RS" dirty="0"/>
+              <a:t>=0.9955).</a:t>
+            </a:r>
+          </a:p>
+          <a:p>
+            <a:r>
+              <a:rPr lang="sr-Latn-RS" dirty="0"/>
+              <a:t>mAP@0.5 visok → dobar za generalnu detekciju.</a:t>
+            </a:r>
+          </a:p>
+          <a:p>
+            <a:r>
+              <a:rPr lang="sr-Latn-RS" dirty="0"/>
+              <a:t>mAP@0.5:0.95 niži → fine-</a:t>
+            </a:r>
+            <a:r>
+              <a:rPr lang="sr-Latn-RS" dirty="0" err="1"/>
+              <a:t>grained</a:t>
+            </a:r>
+            <a:r>
+              <a:rPr lang="sr-Latn-RS" dirty="0"/>
+              <a:t> pozicioniranje </a:t>
+            </a:r>
+            <a:r>
+              <a:rPr lang="sr-Latn-RS" dirty="0" err="1"/>
+              <a:t>bounding</a:t>
+            </a:r>
+            <a:r>
+              <a:rPr lang="sr-Latn-RS" dirty="0"/>
+              <a:t> </a:t>
+            </a:r>
+            <a:r>
+              <a:rPr lang="sr-Latn-RS" dirty="0" err="1"/>
+              <a:t>box</a:t>
+            </a:r>
+            <a:r>
+              <a:rPr lang="sr-Latn-RS" dirty="0"/>
+              <a:t>-a nije savršeno.</a:t>
+            </a:r>
           </a:p>
         </p:txBody>
       </p:sp>
@@ -9454,15 +10675,33 @@
   <p:clrMapOvr>
     <a:masterClrMapping/>
   </p:clrMapOvr>
+  <mc:AlternateContent xmlns:mc="http://schemas.openxmlformats.org/markup-compatibility/2006">
+    <mc:Choice xmlns:p14="http://schemas.microsoft.com/office/powerpoint/2010/main" Requires="p14">
+      <p:transition spd="med" p14:dur="700">
+        <p:fade/>
+      </p:transition>
+    </mc:Choice>
+    <mc:Fallback>
+      <p:transition spd="med">
+        <p:fade/>
+      </p:transition>
+    </mc:Fallback>
+  </mc:AlternateContent>
 </p:sld>
 </file>
 
-<file path=ppt/slides/slide13.xml><?xml version="1.0" encoding="utf-8"?>
+<file path=ppt/slides/slide15.xml><?xml version="1.0" encoding="utf-8"?>
 <p:sld xmlns:a="http://schemas.openxmlformats.org/drawingml/2006/main" xmlns:r="http://schemas.openxmlformats.org/officeDocument/2006/relationships" xmlns:p="http://schemas.openxmlformats.org/presentationml/2006/main">
   <p:cSld>
     <p:spTree>
       <p:nvGrpSpPr>
-        <p:cNvPr id="1" name=""/>
+        <p:cNvPr id="1" name="">
+          <a:extLst>
+            <a:ext uri="{FF2B5EF4-FFF2-40B4-BE49-F238E27FC236}">
+              <a16:creationId xmlns:a16="http://schemas.microsoft.com/office/drawing/2014/main" id="{90CF6C20-E35D-5B88-542F-602C0B246F1E}"/>
+            </a:ext>
+          </a:extLst>
+        </p:cNvPr>
         <p:cNvGrpSpPr/>
         <p:nvPr/>
       </p:nvGrpSpPr>
@@ -9479,7 +10718,7 @@
           <p:cNvPr id="2" name="Title 1">
             <a:extLst>
               <a:ext uri="{FF2B5EF4-FFF2-40B4-BE49-F238E27FC236}">
-                <a16:creationId xmlns:a16="http://schemas.microsoft.com/office/drawing/2014/main" id="{58330292-271D-CD91-3C80-605DAA4EB0FD}"/>
+                <a16:creationId xmlns:a16="http://schemas.microsoft.com/office/drawing/2014/main" id="{C63452A0-FAD7-2E62-28C3-663DE1A96149}"/>
               </a:ext>
             </a:extLst>
           </p:cNvPr>
@@ -9497,123 +10736,1263 @@
           <a:p>
             <a:r>
               <a:rPr lang="sr-Latn-RS" dirty="0"/>
-              <a:t>YOLO</a:t>
-            </a:r>
+              <a:t>Evaluacija Sistema</a:t>
+            </a:r>
+            <a:r>
+              <a:rPr lang="en-US" dirty="0"/>
+              <a:t> - OCR</a:t>
+            </a:r>
+            <a:endParaRPr lang="sr-Latn-RS" dirty="0"/>
           </a:p>
         </p:txBody>
       </p:sp>
       <p:sp>
         <p:nvSpPr>
-          <p:cNvPr id="3" name="Content Placeholder 2">
+          <p:cNvPr id="6" name="Content Placeholder 2">
             <a:extLst>
               <a:ext uri="{FF2B5EF4-FFF2-40B4-BE49-F238E27FC236}">
-                <a16:creationId xmlns:a16="http://schemas.microsoft.com/office/drawing/2014/main" id="{FC10622A-0FB1-F17B-0095-7FE3BFDA2091}"/>
+                <a16:creationId xmlns:a16="http://schemas.microsoft.com/office/drawing/2014/main" id="{1D0B7872-5539-05FD-2D62-DF107FF5488F}"/>
               </a:ext>
             </a:extLst>
           </p:cNvPr>
-          <p:cNvSpPr>
-            <a:spLocks noGrp="1"/>
+          <p:cNvSpPr txBox="1">
+            <a:spLocks/>
           </p:cNvSpPr>
+          <p:nvPr/>
+        </p:nvSpPr>
+        <p:spPr>
+          <a:xfrm>
+            <a:off x="677334" y="4178404"/>
+            <a:ext cx="8596668" cy="2096891"/>
+          </a:xfrm>
+          <a:prstGeom prst="rect">
+            <a:avLst/>
+          </a:prstGeom>
+        </p:spPr>
+        <p:txBody>
+          <a:bodyPr vert="horz" lIns="91440" tIns="45720" rIns="91440" bIns="45720" rtlCol="0">
+            <a:normAutofit lnSpcReduction="10000"/>
+          </a:bodyPr>
+          <a:lstStyle>
+            <a:lvl1pPr marL="342900" indent="-342900" algn="l" defTabSz="457200" rtl="0" eaLnBrk="1" latinLnBrk="0" hangingPunct="1">
+              <a:spcBef>
+                <a:spcPts val="1000"/>
+              </a:spcBef>
+              <a:spcAft>
+                <a:spcPts val="0"/>
+              </a:spcAft>
+              <a:buClr>
+                <a:schemeClr val="accent1"/>
+              </a:buClr>
+              <a:buSzPct val="80000"/>
+              <a:buFont typeface="Wingdings 3" charset="2"/>
+              <a:buChar char=""/>
+              <a:defRPr sz="1800" kern="1200">
+                <a:solidFill>
+                  <a:schemeClr val="tx1">
+                    <a:lumMod val="75000"/>
+                    <a:lumOff val="25000"/>
+                  </a:schemeClr>
+                </a:solidFill>
+                <a:latin typeface="+mn-lt"/>
+                <a:ea typeface="+mn-ea"/>
+                <a:cs typeface="+mn-cs"/>
+              </a:defRPr>
+            </a:lvl1pPr>
+            <a:lvl2pPr marL="742950" indent="-285750" algn="l" defTabSz="457200" rtl="0" eaLnBrk="1" latinLnBrk="0" hangingPunct="1">
+              <a:spcBef>
+                <a:spcPts val="1000"/>
+              </a:spcBef>
+              <a:spcAft>
+                <a:spcPts val="0"/>
+              </a:spcAft>
+              <a:buClr>
+                <a:schemeClr val="accent1"/>
+              </a:buClr>
+              <a:buSzPct val="80000"/>
+              <a:buFont typeface="Wingdings 3" charset="2"/>
+              <a:buChar char=""/>
+              <a:defRPr sz="1600" kern="1200">
+                <a:solidFill>
+                  <a:schemeClr val="tx1">
+                    <a:lumMod val="75000"/>
+                    <a:lumOff val="25000"/>
+                  </a:schemeClr>
+                </a:solidFill>
+                <a:latin typeface="+mn-lt"/>
+                <a:ea typeface="+mn-ea"/>
+                <a:cs typeface="+mn-cs"/>
+              </a:defRPr>
+            </a:lvl2pPr>
+            <a:lvl3pPr marL="1143000" indent="-228600" algn="l" defTabSz="457200" rtl="0" eaLnBrk="1" latinLnBrk="0" hangingPunct="1">
+              <a:spcBef>
+                <a:spcPts val="1000"/>
+              </a:spcBef>
+              <a:spcAft>
+                <a:spcPts val="0"/>
+              </a:spcAft>
+              <a:buClr>
+                <a:schemeClr val="accent1"/>
+              </a:buClr>
+              <a:buSzPct val="80000"/>
+              <a:buFont typeface="Wingdings 3" charset="2"/>
+              <a:buChar char=""/>
+              <a:defRPr sz="1400" kern="1200">
+                <a:solidFill>
+                  <a:schemeClr val="tx1">
+                    <a:lumMod val="75000"/>
+                    <a:lumOff val="25000"/>
+                  </a:schemeClr>
+                </a:solidFill>
+                <a:latin typeface="+mn-lt"/>
+                <a:ea typeface="+mn-ea"/>
+                <a:cs typeface="+mn-cs"/>
+              </a:defRPr>
+            </a:lvl3pPr>
+            <a:lvl4pPr marL="1600200" indent="-228600" algn="l" defTabSz="457200" rtl="0" eaLnBrk="1" latinLnBrk="0" hangingPunct="1">
+              <a:spcBef>
+                <a:spcPts val="1000"/>
+              </a:spcBef>
+              <a:spcAft>
+                <a:spcPts val="0"/>
+              </a:spcAft>
+              <a:buClr>
+                <a:schemeClr val="accent1"/>
+              </a:buClr>
+              <a:buSzPct val="80000"/>
+              <a:buFont typeface="Wingdings 3" charset="2"/>
+              <a:buChar char=""/>
+              <a:defRPr sz="1200" kern="1200">
+                <a:solidFill>
+                  <a:schemeClr val="tx1">
+                    <a:lumMod val="75000"/>
+                    <a:lumOff val="25000"/>
+                  </a:schemeClr>
+                </a:solidFill>
+                <a:latin typeface="+mn-lt"/>
+                <a:ea typeface="+mn-ea"/>
+                <a:cs typeface="+mn-cs"/>
+              </a:defRPr>
+            </a:lvl4pPr>
+            <a:lvl5pPr marL="2057400" indent="-228600" algn="l" defTabSz="457200" rtl="0" eaLnBrk="1" latinLnBrk="0" hangingPunct="1">
+              <a:spcBef>
+                <a:spcPts val="1000"/>
+              </a:spcBef>
+              <a:spcAft>
+                <a:spcPts val="0"/>
+              </a:spcAft>
+              <a:buClr>
+                <a:schemeClr val="accent1"/>
+              </a:buClr>
+              <a:buSzPct val="80000"/>
+              <a:buFont typeface="Wingdings 3" charset="2"/>
+              <a:buChar char=""/>
+              <a:defRPr sz="1200" kern="1200">
+                <a:solidFill>
+                  <a:schemeClr val="tx1">
+                    <a:lumMod val="75000"/>
+                    <a:lumOff val="25000"/>
+                  </a:schemeClr>
+                </a:solidFill>
+                <a:latin typeface="+mn-lt"/>
+                <a:ea typeface="+mn-ea"/>
+                <a:cs typeface="+mn-cs"/>
+              </a:defRPr>
+            </a:lvl5pPr>
+            <a:lvl6pPr marL="2514600" indent="-228600" algn="l" defTabSz="457200" rtl="0" eaLnBrk="1" latinLnBrk="0" hangingPunct="1">
+              <a:spcBef>
+                <a:spcPts val="1000"/>
+              </a:spcBef>
+              <a:spcAft>
+                <a:spcPts val="0"/>
+              </a:spcAft>
+              <a:buClr>
+                <a:schemeClr val="accent1"/>
+              </a:buClr>
+              <a:buSzPct val="80000"/>
+              <a:buFont typeface="Wingdings 3" charset="2"/>
+              <a:buChar char=""/>
+              <a:defRPr sz="1200" kern="1200">
+                <a:solidFill>
+                  <a:schemeClr val="tx1">
+                    <a:lumMod val="75000"/>
+                    <a:lumOff val="25000"/>
+                  </a:schemeClr>
+                </a:solidFill>
+                <a:latin typeface="+mn-lt"/>
+                <a:ea typeface="+mn-ea"/>
+                <a:cs typeface="+mn-cs"/>
+              </a:defRPr>
+            </a:lvl6pPr>
+            <a:lvl7pPr marL="2971800" indent="-228600" algn="l" defTabSz="457200" rtl="0" eaLnBrk="1" latinLnBrk="0" hangingPunct="1">
+              <a:spcBef>
+                <a:spcPts val="1000"/>
+              </a:spcBef>
+              <a:spcAft>
+                <a:spcPts val="0"/>
+              </a:spcAft>
+              <a:buClr>
+                <a:schemeClr val="accent1"/>
+              </a:buClr>
+              <a:buSzPct val="80000"/>
+              <a:buFont typeface="Wingdings 3" charset="2"/>
+              <a:buChar char=""/>
+              <a:defRPr sz="1200" kern="1200">
+                <a:solidFill>
+                  <a:schemeClr val="tx1">
+                    <a:lumMod val="75000"/>
+                    <a:lumOff val="25000"/>
+                  </a:schemeClr>
+                </a:solidFill>
+                <a:latin typeface="+mn-lt"/>
+                <a:ea typeface="+mn-ea"/>
+                <a:cs typeface="+mn-cs"/>
+              </a:defRPr>
+            </a:lvl7pPr>
+            <a:lvl8pPr marL="3429000" indent="-228600" algn="l" defTabSz="457200" rtl="0" eaLnBrk="1" latinLnBrk="0" hangingPunct="1">
+              <a:spcBef>
+                <a:spcPts val="1000"/>
+              </a:spcBef>
+              <a:spcAft>
+                <a:spcPts val="0"/>
+              </a:spcAft>
+              <a:buClr>
+                <a:schemeClr val="accent1"/>
+              </a:buClr>
+              <a:buSzPct val="80000"/>
+              <a:buFont typeface="Wingdings 3" charset="2"/>
+              <a:buChar char=""/>
+              <a:defRPr sz="1200" kern="1200">
+                <a:solidFill>
+                  <a:schemeClr val="tx1">
+                    <a:lumMod val="75000"/>
+                    <a:lumOff val="25000"/>
+                  </a:schemeClr>
+                </a:solidFill>
+                <a:latin typeface="+mn-lt"/>
+                <a:ea typeface="+mn-ea"/>
+                <a:cs typeface="+mn-cs"/>
+              </a:defRPr>
+            </a:lvl8pPr>
+            <a:lvl9pPr marL="3886200" indent="-228600" algn="l" defTabSz="457200" rtl="0" eaLnBrk="1" latinLnBrk="0" hangingPunct="1">
+              <a:spcBef>
+                <a:spcPts val="1000"/>
+              </a:spcBef>
+              <a:spcAft>
+                <a:spcPts val="0"/>
+              </a:spcAft>
+              <a:buClr>
+                <a:schemeClr val="accent1"/>
+              </a:buClr>
+              <a:buSzPct val="80000"/>
+              <a:buFont typeface="Wingdings 3" charset="2"/>
+              <a:buChar char=""/>
+              <a:defRPr sz="1200" kern="1200">
+                <a:solidFill>
+                  <a:schemeClr val="tx1">
+                    <a:lumMod val="75000"/>
+                    <a:lumOff val="25000"/>
+                  </a:schemeClr>
+                </a:solidFill>
+                <a:latin typeface="+mn-lt"/>
+                <a:ea typeface="+mn-ea"/>
+                <a:cs typeface="+mn-cs"/>
+              </a:defRPr>
+            </a:lvl9pPr>
+          </a:lstStyle>
+          <a:p>
+            <a:r>
+              <a:rPr lang="en-US" b="1" dirty="0"/>
+              <a:t>Z</a:t>
+            </a:r>
+            <a:r>
+              <a:rPr lang="sr-Latn-RS" b="1" dirty="0" err="1"/>
+              <a:t>aključak</a:t>
+            </a:r>
+            <a:r>
+              <a:rPr lang="sr-Latn-RS" b="1" dirty="0"/>
+              <a:t>:</a:t>
+            </a:r>
+            <a:endParaRPr lang="sr-Latn-RS" dirty="0"/>
+          </a:p>
+          <a:p>
+            <a:r>
+              <a:rPr lang="sr-Latn-RS" dirty="0" err="1"/>
+              <a:t>PaddleOCR</a:t>
+            </a:r>
+            <a:r>
+              <a:rPr lang="sr-Latn-RS" dirty="0"/>
+              <a:t> generalno daje bolje rezultate po karakterima, dok </a:t>
+            </a:r>
+            <a:r>
+              <a:rPr lang="sr-Latn-RS" dirty="0" err="1"/>
+              <a:t>Tesseract</a:t>
+            </a:r>
+            <a:r>
+              <a:rPr lang="sr-Latn-RS" dirty="0"/>
+              <a:t> često pati od niskog </a:t>
+            </a:r>
+            <a:r>
+              <a:rPr lang="sr-Latn-RS" dirty="0" err="1"/>
+              <a:t>char</a:t>
+            </a:r>
+            <a:r>
+              <a:rPr lang="sr-Latn-RS" dirty="0"/>
+              <a:t> </a:t>
+            </a:r>
+            <a:r>
+              <a:rPr lang="sr-Latn-RS" dirty="0" err="1"/>
+              <a:t>accuracy</a:t>
+            </a:r>
+            <a:r>
+              <a:rPr lang="sr-Latn-RS" dirty="0"/>
+              <a:t>.</a:t>
+            </a:r>
+          </a:p>
+          <a:p>
+            <a:r>
+              <a:rPr lang="sr-Latn-RS" dirty="0"/>
+              <a:t>Ni jedna od obrada slike značajno ne povećava tačnost cele tablice (Plate </a:t>
+            </a:r>
+            <a:r>
+              <a:rPr lang="sr-Latn-RS" dirty="0" err="1"/>
+              <a:t>accuracy</a:t>
+            </a:r>
+            <a:r>
+              <a:rPr lang="sr-Latn-RS" dirty="0"/>
+              <a:t> ostaje niska), što znači da OCR </a:t>
+            </a:r>
+            <a:r>
+              <a:rPr lang="sr-Latn-RS" dirty="0" err="1"/>
+              <a:t>engine</a:t>
+            </a:r>
+            <a:r>
+              <a:rPr lang="sr-Latn-RS" dirty="0"/>
+              <a:t> ima problema sa kompletnim prepoznavanjem tablice, posebno kada je potrebno tačno detektovati sve karaktere zajedno.</a:t>
+            </a:r>
+          </a:p>
+        </p:txBody>
+      </p:sp>
+      <p:graphicFrame>
+        <p:nvGraphicFramePr>
+          <p:cNvPr id="8" name="Content Placeholder 7">
+            <a:extLst>
+              <a:ext uri="{FF2B5EF4-FFF2-40B4-BE49-F238E27FC236}">
+                <a16:creationId xmlns:a16="http://schemas.microsoft.com/office/drawing/2014/main" id="{6ED7A818-1666-F843-668B-3D381B420C80}"/>
+              </a:ext>
+            </a:extLst>
+          </p:cNvPr>
+          <p:cNvGraphicFramePr>
+            <a:graphicFrameLocks noGrp="1"/>
+          </p:cNvGraphicFramePr>
           <p:nvPr>
             <p:ph idx="1"/>
+            <p:extLst>
+              <p:ext uri="{D42A27DB-BD31-4B8C-83A1-F6EECF244321}">
+                <p14:modId xmlns:p14="http://schemas.microsoft.com/office/powerpoint/2010/main" val="2708133227"/>
+              </p:ext>
+            </p:extLst>
           </p:nvPr>
-        </p:nvSpPr>
-        <p:spPr/>
-        <p:txBody>
-          <a:bodyPr/>
-          <a:lstStyle/>
-          <a:p>
-            <a:r>
-              <a:rPr lang="sr-Latn-RS" dirty="0"/>
-              <a:t>YOLO = “</a:t>
-            </a:r>
-            <a:r>
-              <a:rPr lang="sr-Latn-RS" dirty="0" err="1"/>
-              <a:t>You</a:t>
-            </a:r>
-            <a:r>
-              <a:rPr lang="sr-Latn-RS" dirty="0"/>
-              <a:t> </a:t>
-            </a:r>
-            <a:r>
-              <a:rPr lang="sr-Latn-RS" dirty="0" err="1"/>
-              <a:t>Only</a:t>
-            </a:r>
-            <a:r>
-              <a:rPr lang="sr-Latn-RS" dirty="0"/>
-              <a:t> </a:t>
-            </a:r>
-            <a:r>
-              <a:rPr lang="sr-Latn-RS" dirty="0" err="1"/>
-              <a:t>Look</a:t>
-            </a:r>
-            <a:r>
-              <a:rPr lang="sr-Latn-RS" dirty="0"/>
-              <a:t> </a:t>
-            </a:r>
-            <a:r>
-              <a:rPr lang="sr-Latn-RS" dirty="0" err="1"/>
-              <a:t>Once</a:t>
-            </a:r>
-            <a:r>
-              <a:rPr lang="sr-Latn-RS" dirty="0"/>
-              <a:t>”</a:t>
-            </a:r>
-          </a:p>
-          <a:p>
-            <a:r>
-              <a:rPr lang="sr-Latn-RS" dirty="0"/>
-              <a:t>Radi detekciju u realnom vremenu (jedan prolaz kroz mrežu)</a:t>
-            </a:r>
-          </a:p>
-          <a:p>
-            <a:r>
-              <a:rPr lang="sr-Latn-RS" dirty="0"/>
-              <a:t>Podela slike na mrežu</a:t>
-            </a:r>
-          </a:p>
-          <a:p>
-            <a:pPr lvl="1"/>
-            <a:r>
-              <a:rPr lang="sr-Latn-RS" dirty="0"/>
-              <a:t> predviđanje </a:t>
-            </a:r>
-            <a:r>
-              <a:rPr lang="sr-Latn-RS" dirty="0" err="1"/>
-              <a:t>bounding-box</a:t>
-            </a:r>
-            <a:r>
-              <a:rPr lang="sr-Latn-RS" dirty="0"/>
-              <a:t> koordinata i verovatnoća</a:t>
-            </a:r>
-          </a:p>
-          <a:p>
-            <a:r>
-              <a:rPr lang="sr-Latn-RS" dirty="0"/>
-              <a:t>Prednosti: brzina i dobra preciznost</a:t>
-            </a:r>
-          </a:p>
-        </p:txBody>
-      </p:sp>
+        </p:nvGraphicFramePr>
+        <p:xfrm>
+          <a:off x="677334" y="1348591"/>
+          <a:ext cx="8596312" cy="2595880"/>
+        </p:xfrm>
+        <a:graphic>
+          <a:graphicData uri="http://schemas.openxmlformats.org/drawingml/2006/table">
+            <a:tbl>
+              <a:tblPr firstRow="1" bandRow="1">
+                <a:tableStyleId>{5C22544A-7EE6-4342-B048-85BDC9FD1C3A}</a:tableStyleId>
+              </a:tblPr>
+              <a:tblGrid>
+                <a:gridCol w="2149078">
+                  <a:extLst>
+                    <a:ext uri="{9D8B030D-6E8A-4147-A177-3AD203B41FA5}">
+                      <a16:colId xmlns:a16="http://schemas.microsoft.com/office/drawing/2014/main" val="1020869697"/>
+                    </a:ext>
+                  </a:extLst>
+                </a:gridCol>
+                <a:gridCol w="1880059">
+                  <a:extLst>
+                    <a:ext uri="{9D8B030D-6E8A-4147-A177-3AD203B41FA5}">
+                      <a16:colId xmlns:a16="http://schemas.microsoft.com/office/drawing/2014/main" val="2805159757"/>
+                    </a:ext>
+                  </a:extLst>
+                </a:gridCol>
+                <a:gridCol w="2418097">
+                  <a:extLst>
+                    <a:ext uri="{9D8B030D-6E8A-4147-A177-3AD203B41FA5}">
+                      <a16:colId xmlns:a16="http://schemas.microsoft.com/office/drawing/2014/main" val="3457768678"/>
+                    </a:ext>
+                  </a:extLst>
+                </a:gridCol>
+                <a:gridCol w="2149078">
+                  <a:extLst>
+                    <a:ext uri="{9D8B030D-6E8A-4147-A177-3AD203B41FA5}">
+                      <a16:colId xmlns:a16="http://schemas.microsoft.com/office/drawing/2014/main" val="2564836458"/>
+                    </a:ext>
+                  </a:extLst>
+                </a:gridCol>
+              </a:tblGrid>
+              <a:tr h="370840">
+                <a:tc>
+                  <a:txBody>
+                    <a:bodyPr/>
+                    <a:lstStyle/>
+                    <a:p>
+                      <a:r>
+                        <a:rPr lang="en-US" dirty="0"/>
+                        <a:t>OCR Engine</a:t>
+                      </a:r>
+                      <a:endParaRPr lang="sr-Latn-RS" dirty="0"/>
+                    </a:p>
+                  </a:txBody>
+                  <a:tcPr/>
+                </a:tc>
+                <a:tc>
+                  <a:txBody>
+                    <a:bodyPr/>
+                    <a:lstStyle/>
+                    <a:p>
+                      <a:r>
+                        <a:rPr lang="en-US" dirty="0"/>
+                        <a:t>Enhancement</a:t>
+                      </a:r>
+                      <a:endParaRPr lang="sr-Latn-RS" dirty="0"/>
+                    </a:p>
+                  </a:txBody>
+                  <a:tcPr/>
+                </a:tc>
+                <a:tc>
+                  <a:txBody>
+                    <a:bodyPr/>
+                    <a:lstStyle/>
+                    <a:p>
+                      <a:r>
+                        <a:rPr lang="en-US" dirty="0"/>
+                        <a:t>Char Accuracy</a:t>
+                      </a:r>
+                      <a:endParaRPr lang="sr-Latn-RS" dirty="0"/>
+                    </a:p>
+                  </a:txBody>
+                  <a:tcPr/>
+                </a:tc>
+                <a:tc>
+                  <a:txBody>
+                    <a:bodyPr/>
+                    <a:lstStyle/>
+                    <a:p>
+                      <a:r>
+                        <a:rPr lang="en-US" dirty="0"/>
+                        <a:t>Plate Accuracy</a:t>
+                      </a:r>
+                      <a:endParaRPr lang="sr-Latn-RS" dirty="0"/>
+                    </a:p>
+                  </a:txBody>
+                  <a:tcPr/>
+                </a:tc>
+                <a:extLst>
+                  <a:ext uri="{0D108BD9-81ED-4DB2-BD59-A6C34878D82A}">
+                    <a16:rowId xmlns:a16="http://schemas.microsoft.com/office/drawing/2014/main" val="3211205854"/>
+                  </a:ext>
+                </a:extLst>
+              </a:tr>
+              <a:tr h="370840">
+                <a:tc>
+                  <a:txBody>
+                    <a:bodyPr/>
+                    <a:lstStyle/>
+                    <a:p>
+                      <a:r>
+                        <a:rPr lang="sr-Latn-RS" sz="1800" kern="1200" dirty="0" err="1">
+                          <a:solidFill>
+                            <a:schemeClr val="tx1">
+                              <a:lumMod val="75000"/>
+                              <a:lumOff val="25000"/>
+                            </a:schemeClr>
+                          </a:solidFill>
+                          <a:latin typeface="+mn-lt"/>
+                          <a:ea typeface="+mn-ea"/>
+                          <a:cs typeface="+mn-cs"/>
+                        </a:rPr>
+                        <a:t>PaddleOCR</a:t>
+                      </a:r>
+                      <a:endParaRPr lang="sr-Latn-RS" sz="1800" kern="1200" dirty="0">
+                        <a:solidFill>
+                          <a:schemeClr val="tx1">
+                            <a:lumMod val="75000"/>
+                            <a:lumOff val="25000"/>
+                          </a:schemeClr>
+                        </a:solidFill>
+                        <a:latin typeface="+mn-lt"/>
+                        <a:ea typeface="+mn-ea"/>
+                        <a:cs typeface="+mn-cs"/>
+                      </a:endParaRPr>
+                    </a:p>
+                  </a:txBody>
+                  <a:tcPr/>
+                </a:tc>
+                <a:tc>
+                  <a:txBody>
+                    <a:bodyPr/>
+                    <a:lstStyle/>
+                    <a:p>
+                      <a:pPr>
+                        <a:buNone/>
+                      </a:pPr>
+                      <a:r>
+                        <a:rPr lang="en-US" sz="1800" kern="1200" dirty="0">
+                          <a:solidFill>
+                            <a:schemeClr val="tx1">
+                              <a:lumMod val="75000"/>
+                              <a:lumOff val="25000"/>
+                            </a:schemeClr>
+                          </a:solidFill>
+                          <a:latin typeface="+mn-lt"/>
+                          <a:ea typeface="+mn-ea"/>
+                          <a:cs typeface="+mn-cs"/>
+                        </a:rPr>
+                        <a:t>None</a:t>
+                      </a:r>
+                      <a:endParaRPr lang="sr-Latn-RS" sz="1800" kern="1200" dirty="0">
+                        <a:solidFill>
+                          <a:schemeClr val="tx1">
+                            <a:lumMod val="75000"/>
+                            <a:lumOff val="25000"/>
+                          </a:schemeClr>
+                        </a:solidFill>
+                        <a:latin typeface="+mn-lt"/>
+                        <a:ea typeface="+mn-ea"/>
+                        <a:cs typeface="+mn-cs"/>
+                      </a:endParaRPr>
+                    </a:p>
+                  </a:txBody>
+                  <a:tcPr anchor="ctr"/>
+                </a:tc>
+                <a:tc>
+                  <a:txBody>
+                    <a:bodyPr/>
+                    <a:lstStyle/>
+                    <a:p>
+                      <a:r>
+                        <a:rPr lang="sr-Latn-RS" sz="1800" kern="1200" dirty="0">
+                          <a:solidFill>
+                            <a:schemeClr val="tx1">
+                              <a:lumMod val="75000"/>
+                              <a:lumOff val="25000"/>
+                            </a:schemeClr>
+                          </a:solidFill>
+                          <a:latin typeface="+mn-lt"/>
+                          <a:ea typeface="+mn-ea"/>
+                          <a:cs typeface="+mn-cs"/>
+                        </a:rPr>
+                        <a:t>0.5607</a:t>
+                      </a:r>
+                    </a:p>
+                  </a:txBody>
+                  <a:tcPr/>
+                </a:tc>
+                <a:tc>
+                  <a:txBody>
+                    <a:bodyPr/>
+                    <a:lstStyle/>
+                    <a:p>
+                      <a:r>
+                        <a:rPr lang="sr-Latn-RS" sz="1800" kern="1200" dirty="0">
+                          <a:solidFill>
+                            <a:schemeClr val="tx1">
+                              <a:lumMod val="75000"/>
+                              <a:lumOff val="25000"/>
+                            </a:schemeClr>
+                          </a:solidFill>
+                          <a:latin typeface="+mn-lt"/>
+                          <a:ea typeface="+mn-ea"/>
+                          <a:cs typeface="+mn-cs"/>
+                        </a:rPr>
+                        <a:t>0.1333</a:t>
+                      </a:r>
+                    </a:p>
+                  </a:txBody>
+                  <a:tcPr/>
+                </a:tc>
+                <a:extLst>
+                  <a:ext uri="{0D108BD9-81ED-4DB2-BD59-A6C34878D82A}">
+                    <a16:rowId xmlns:a16="http://schemas.microsoft.com/office/drawing/2014/main" val="2228484441"/>
+                  </a:ext>
+                </a:extLst>
+              </a:tr>
+              <a:tr h="370840">
+                <a:tc>
+                  <a:txBody>
+                    <a:bodyPr/>
+                    <a:lstStyle/>
+                    <a:p>
+                      <a:r>
+                        <a:rPr lang="sr-Latn-RS" sz="1800" kern="1200" dirty="0" err="1">
+                          <a:solidFill>
+                            <a:schemeClr val="tx1">
+                              <a:lumMod val="75000"/>
+                              <a:lumOff val="25000"/>
+                            </a:schemeClr>
+                          </a:solidFill>
+                          <a:latin typeface="+mn-lt"/>
+                          <a:ea typeface="+mn-ea"/>
+                          <a:cs typeface="+mn-cs"/>
+                        </a:rPr>
+                        <a:t>PaddleOCR</a:t>
+                      </a:r>
+                      <a:endParaRPr lang="sr-Latn-RS" sz="1800" kern="1200" dirty="0">
+                        <a:solidFill>
+                          <a:schemeClr val="tx1">
+                            <a:lumMod val="75000"/>
+                            <a:lumOff val="25000"/>
+                          </a:schemeClr>
+                        </a:solidFill>
+                        <a:latin typeface="+mn-lt"/>
+                        <a:ea typeface="+mn-ea"/>
+                        <a:cs typeface="+mn-cs"/>
+                      </a:endParaRPr>
+                    </a:p>
+                  </a:txBody>
+                  <a:tcPr/>
+                </a:tc>
+                <a:tc>
+                  <a:txBody>
+                    <a:bodyPr/>
+                    <a:lstStyle/>
+                    <a:p>
+                      <a:pPr>
+                        <a:buNone/>
+                      </a:pPr>
+                      <a:r>
+                        <a:rPr lang="en-US" sz="1800" kern="1200" dirty="0">
+                          <a:solidFill>
+                            <a:schemeClr val="tx1">
+                              <a:lumMod val="75000"/>
+                              <a:lumOff val="25000"/>
+                            </a:schemeClr>
+                          </a:solidFill>
+                          <a:latin typeface="+mn-lt"/>
+                          <a:ea typeface="+mn-ea"/>
+                          <a:cs typeface="+mn-cs"/>
+                        </a:rPr>
+                        <a:t>Basic</a:t>
+                      </a:r>
+                      <a:endParaRPr lang="sr-Latn-RS" sz="1800" kern="1200" dirty="0">
+                        <a:solidFill>
+                          <a:schemeClr val="tx1">
+                            <a:lumMod val="75000"/>
+                            <a:lumOff val="25000"/>
+                          </a:schemeClr>
+                        </a:solidFill>
+                        <a:latin typeface="+mn-lt"/>
+                        <a:ea typeface="+mn-ea"/>
+                        <a:cs typeface="+mn-cs"/>
+                      </a:endParaRPr>
+                    </a:p>
+                  </a:txBody>
+                  <a:tcPr anchor="ctr"/>
+                </a:tc>
+                <a:tc>
+                  <a:txBody>
+                    <a:bodyPr/>
+                    <a:lstStyle/>
+                    <a:p>
+                      <a:r>
+                        <a:rPr lang="sr-Latn-RS" sz="1800" kern="1200" dirty="0">
+                          <a:solidFill>
+                            <a:schemeClr val="tx1">
+                              <a:lumMod val="75000"/>
+                              <a:lumOff val="25000"/>
+                            </a:schemeClr>
+                          </a:solidFill>
+                          <a:latin typeface="+mn-lt"/>
+                          <a:ea typeface="+mn-ea"/>
+                          <a:cs typeface="+mn-cs"/>
+                        </a:rPr>
+                        <a:t>0.4953</a:t>
+                      </a:r>
+                    </a:p>
+                  </a:txBody>
+                  <a:tcPr/>
+                </a:tc>
+                <a:tc>
+                  <a:txBody>
+                    <a:bodyPr/>
+                    <a:lstStyle/>
+                    <a:p>
+                      <a:r>
+                        <a:rPr lang="sr-Latn-RS" sz="1800" kern="1200" dirty="0">
+                          <a:solidFill>
+                            <a:schemeClr val="tx1">
+                              <a:lumMod val="75000"/>
+                              <a:lumOff val="25000"/>
+                            </a:schemeClr>
+                          </a:solidFill>
+                          <a:latin typeface="+mn-lt"/>
+                          <a:ea typeface="+mn-ea"/>
+                          <a:cs typeface="+mn-cs"/>
+                        </a:rPr>
+                        <a:t>0.1333</a:t>
+                      </a:r>
+                    </a:p>
+                  </a:txBody>
+                  <a:tcPr/>
+                </a:tc>
+                <a:extLst>
+                  <a:ext uri="{0D108BD9-81ED-4DB2-BD59-A6C34878D82A}">
+                    <a16:rowId xmlns:a16="http://schemas.microsoft.com/office/drawing/2014/main" val="361125088"/>
+                  </a:ext>
+                </a:extLst>
+              </a:tr>
+              <a:tr h="370840">
+                <a:tc>
+                  <a:txBody>
+                    <a:bodyPr/>
+                    <a:lstStyle/>
+                    <a:p>
+                      <a:r>
+                        <a:rPr lang="sr-Latn-RS" sz="1800" kern="1200" dirty="0" err="1">
+                          <a:solidFill>
+                            <a:schemeClr val="tx1">
+                              <a:lumMod val="75000"/>
+                              <a:lumOff val="25000"/>
+                            </a:schemeClr>
+                          </a:solidFill>
+                          <a:latin typeface="+mn-lt"/>
+                          <a:ea typeface="+mn-ea"/>
+                          <a:cs typeface="+mn-cs"/>
+                        </a:rPr>
+                        <a:t>PaddleOCR</a:t>
+                      </a:r>
+                      <a:endParaRPr lang="sr-Latn-RS" sz="1800" kern="1200" dirty="0">
+                        <a:solidFill>
+                          <a:schemeClr val="tx1">
+                            <a:lumMod val="75000"/>
+                            <a:lumOff val="25000"/>
+                          </a:schemeClr>
+                        </a:solidFill>
+                        <a:latin typeface="+mn-lt"/>
+                        <a:ea typeface="+mn-ea"/>
+                        <a:cs typeface="+mn-cs"/>
+                      </a:endParaRPr>
+                    </a:p>
+                  </a:txBody>
+                  <a:tcPr/>
+                </a:tc>
+                <a:tc>
+                  <a:txBody>
+                    <a:bodyPr/>
+                    <a:lstStyle/>
+                    <a:p>
+                      <a:pPr>
+                        <a:buNone/>
+                      </a:pPr>
+                      <a:r>
+                        <a:rPr lang="en-US" sz="1800" kern="1200" dirty="0">
+                          <a:solidFill>
+                            <a:schemeClr val="tx1">
+                              <a:lumMod val="75000"/>
+                              <a:lumOff val="25000"/>
+                            </a:schemeClr>
+                          </a:solidFill>
+                          <a:latin typeface="+mn-lt"/>
+                          <a:ea typeface="+mn-ea"/>
+                          <a:cs typeface="+mn-cs"/>
+                        </a:rPr>
+                        <a:t>Advanced</a:t>
+                      </a:r>
+                      <a:endParaRPr lang="sr-Latn-RS" sz="1800" kern="1200" dirty="0">
+                        <a:solidFill>
+                          <a:schemeClr val="tx1">
+                            <a:lumMod val="75000"/>
+                            <a:lumOff val="25000"/>
+                          </a:schemeClr>
+                        </a:solidFill>
+                        <a:latin typeface="+mn-lt"/>
+                        <a:ea typeface="+mn-ea"/>
+                        <a:cs typeface="+mn-cs"/>
+                      </a:endParaRPr>
+                    </a:p>
+                  </a:txBody>
+                  <a:tcPr anchor="ctr"/>
+                </a:tc>
+                <a:tc>
+                  <a:txBody>
+                    <a:bodyPr/>
+                    <a:lstStyle/>
+                    <a:p>
+                      <a:r>
+                        <a:rPr lang="sr-Latn-RS" sz="1800" kern="1200" dirty="0">
+                          <a:solidFill>
+                            <a:schemeClr val="tx1">
+                              <a:lumMod val="75000"/>
+                              <a:lumOff val="25000"/>
+                            </a:schemeClr>
+                          </a:solidFill>
+                          <a:latin typeface="+mn-lt"/>
+                          <a:ea typeface="+mn-ea"/>
+                          <a:cs typeface="+mn-cs"/>
+                        </a:rPr>
+                        <a:t>0.5607</a:t>
+                      </a:r>
+                    </a:p>
+                  </a:txBody>
+                  <a:tcPr/>
+                </a:tc>
+                <a:tc>
+                  <a:txBody>
+                    <a:bodyPr/>
+                    <a:lstStyle/>
+                    <a:p>
+                      <a:r>
+                        <a:rPr lang="sr-Latn-RS" sz="1800" kern="1200" dirty="0">
+                          <a:solidFill>
+                            <a:schemeClr val="tx1">
+                              <a:lumMod val="75000"/>
+                              <a:lumOff val="25000"/>
+                            </a:schemeClr>
+                          </a:solidFill>
+                          <a:latin typeface="+mn-lt"/>
+                          <a:ea typeface="+mn-ea"/>
+                          <a:cs typeface="+mn-cs"/>
+                        </a:rPr>
+                        <a:t>0.1333</a:t>
+                      </a:r>
+                    </a:p>
+                  </a:txBody>
+                  <a:tcPr/>
+                </a:tc>
+                <a:extLst>
+                  <a:ext uri="{0D108BD9-81ED-4DB2-BD59-A6C34878D82A}">
+                    <a16:rowId xmlns:a16="http://schemas.microsoft.com/office/drawing/2014/main" val="2454218532"/>
+                  </a:ext>
+                </a:extLst>
+              </a:tr>
+              <a:tr h="370840">
+                <a:tc>
+                  <a:txBody>
+                    <a:bodyPr/>
+                    <a:lstStyle/>
+                    <a:p>
+                      <a:r>
+                        <a:rPr lang="sr-Latn-RS" sz="1800" kern="1200" dirty="0" err="1">
+                          <a:solidFill>
+                            <a:schemeClr val="tx1">
+                              <a:lumMod val="75000"/>
+                              <a:lumOff val="25000"/>
+                            </a:schemeClr>
+                          </a:solidFill>
+                          <a:latin typeface="+mn-lt"/>
+                          <a:ea typeface="+mn-ea"/>
+                          <a:cs typeface="+mn-cs"/>
+                        </a:rPr>
+                        <a:t>Tesseract</a:t>
+                      </a:r>
+                      <a:endParaRPr lang="sr-Latn-RS" sz="1800" kern="1200" dirty="0">
+                        <a:solidFill>
+                          <a:schemeClr val="tx1">
+                            <a:lumMod val="75000"/>
+                            <a:lumOff val="25000"/>
+                          </a:schemeClr>
+                        </a:solidFill>
+                        <a:latin typeface="+mn-lt"/>
+                        <a:ea typeface="+mn-ea"/>
+                        <a:cs typeface="+mn-cs"/>
+                      </a:endParaRPr>
+                    </a:p>
+                  </a:txBody>
+                  <a:tcPr/>
+                </a:tc>
+                <a:tc>
+                  <a:txBody>
+                    <a:bodyPr/>
+                    <a:lstStyle/>
+                    <a:p>
+                      <a:pPr>
+                        <a:buNone/>
+                      </a:pPr>
+                      <a:r>
+                        <a:rPr lang="en-US" sz="1800" kern="1200" dirty="0">
+                          <a:solidFill>
+                            <a:schemeClr val="tx1">
+                              <a:lumMod val="75000"/>
+                              <a:lumOff val="25000"/>
+                            </a:schemeClr>
+                          </a:solidFill>
+                          <a:latin typeface="+mn-lt"/>
+                          <a:ea typeface="+mn-ea"/>
+                          <a:cs typeface="+mn-cs"/>
+                        </a:rPr>
+                        <a:t>None</a:t>
+                      </a:r>
+                      <a:endParaRPr lang="sr-Latn-RS" sz="1800" kern="1200" dirty="0">
+                        <a:solidFill>
+                          <a:schemeClr val="tx1">
+                            <a:lumMod val="75000"/>
+                            <a:lumOff val="25000"/>
+                          </a:schemeClr>
+                        </a:solidFill>
+                        <a:latin typeface="+mn-lt"/>
+                        <a:ea typeface="+mn-ea"/>
+                        <a:cs typeface="+mn-cs"/>
+                      </a:endParaRPr>
+                    </a:p>
+                  </a:txBody>
+                  <a:tcPr anchor="ctr"/>
+                </a:tc>
+                <a:tc>
+                  <a:txBody>
+                    <a:bodyPr/>
+                    <a:lstStyle/>
+                    <a:p>
+                      <a:r>
+                        <a:rPr lang="sr-Latn-RS" sz="1800" kern="1200" dirty="0">
+                          <a:solidFill>
+                            <a:schemeClr val="tx1">
+                              <a:lumMod val="75000"/>
+                              <a:lumOff val="25000"/>
+                            </a:schemeClr>
+                          </a:solidFill>
+                          <a:latin typeface="+mn-lt"/>
+                          <a:ea typeface="+mn-ea"/>
+                          <a:cs typeface="+mn-cs"/>
+                        </a:rPr>
+                        <a:t>0.4393</a:t>
+                      </a:r>
+                    </a:p>
+                  </a:txBody>
+                  <a:tcPr/>
+                </a:tc>
+                <a:tc>
+                  <a:txBody>
+                    <a:bodyPr/>
+                    <a:lstStyle/>
+                    <a:p>
+                      <a:r>
+                        <a:rPr lang="sr-Latn-RS" sz="1800" kern="1200" dirty="0">
+                          <a:solidFill>
+                            <a:schemeClr val="tx1">
+                              <a:lumMod val="75000"/>
+                              <a:lumOff val="25000"/>
+                            </a:schemeClr>
+                          </a:solidFill>
+                          <a:latin typeface="+mn-lt"/>
+                          <a:ea typeface="+mn-ea"/>
+                          <a:cs typeface="+mn-cs"/>
+                        </a:rPr>
+                        <a:t>0.1333</a:t>
+                      </a:r>
+                    </a:p>
+                  </a:txBody>
+                  <a:tcPr/>
+                </a:tc>
+                <a:extLst>
+                  <a:ext uri="{0D108BD9-81ED-4DB2-BD59-A6C34878D82A}">
+                    <a16:rowId xmlns:a16="http://schemas.microsoft.com/office/drawing/2014/main" val="3110304813"/>
+                  </a:ext>
+                </a:extLst>
+              </a:tr>
+              <a:tr h="370840">
+                <a:tc>
+                  <a:txBody>
+                    <a:bodyPr/>
+                    <a:lstStyle/>
+                    <a:p>
+                      <a:r>
+                        <a:rPr lang="sr-Latn-RS" sz="1800" kern="1200" dirty="0" err="1">
+                          <a:solidFill>
+                            <a:schemeClr val="tx1">
+                              <a:lumMod val="75000"/>
+                              <a:lumOff val="25000"/>
+                            </a:schemeClr>
+                          </a:solidFill>
+                          <a:latin typeface="+mn-lt"/>
+                          <a:ea typeface="+mn-ea"/>
+                          <a:cs typeface="+mn-cs"/>
+                        </a:rPr>
+                        <a:t>Tesseract</a:t>
+                      </a:r>
+                      <a:endParaRPr lang="sr-Latn-RS" sz="1800" kern="1200" dirty="0">
+                        <a:solidFill>
+                          <a:schemeClr val="tx1">
+                            <a:lumMod val="75000"/>
+                            <a:lumOff val="25000"/>
+                          </a:schemeClr>
+                        </a:solidFill>
+                        <a:latin typeface="+mn-lt"/>
+                        <a:ea typeface="+mn-ea"/>
+                        <a:cs typeface="+mn-cs"/>
+                      </a:endParaRPr>
+                    </a:p>
+                  </a:txBody>
+                  <a:tcPr/>
+                </a:tc>
+                <a:tc>
+                  <a:txBody>
+                    <a:bodyPr/>
+                    <a:lstStyle/>
+                    <a:p>
+                      <a:pPr>
+                        <a:buNone/>
+                      </a:pPr>
+                      <a:r>
+                        <a:rPr lang="en-US" sz="1800" kern="1200" dirty="0">
+                          <a:solidFill>
+                            <a:schemeClr val="tx1">
+                              <a:lumMod val="75000"/>
+                              <a:lumOff val="25000"/>
+                            </a:schemeClr>
+                          </a:solidFill>
+                          <a:latin typeface="+mn-lt"/>
+                          <a:ea typeface="+mn-ea"/>
+                          <a:cs typeface="+mn-cs"/>
+                        </a:rPr>
+                        <a:t>Basic</a:t>
+                      </a:r>
+                      <a:endParaRPr lang="sr-Latn-RS" sz="1800" kern="1200" dirty="0">
+                        <a:solidFill>
+                          <a:schemeClr val="tx1">
+                            <a:lumMod val="75000"/>
+                            <a:lumOff val="25000"/>
+                          </a:schemeClr>
+                        </a:solidFill>
+                        <a:latin typeface="+mn-lt"/>
+                        <a:ea typeface="+mn-ea"/>
+                        <a:cs typeface="+mn-cs"/>
+                      </a:endParaRPr>
+                    </a:p>
+                  </a:txBody>
+                  <a:tcPr anchor="ctr"/>
+                </a:tc>
+                <a:tc>
+                  <a:txBody>
+                    <a:bodyPr/>
+                    <a:lstStyle/>
+                    <a:p>
+                      <a:r>
+                        <a:rPr lang="sr-Latn-RS" sz="1800" kern="1200" dirty="0">
+                          <a:solidFill>
+                            <a:schemeClr val="tx1">
+                              <a:lumMod val="75000"/>
+                              <a:lumOff val="25000"/>
+                            </a:schemeClr>
+                          </a:solidFill>
+                          <a:latin typeface="+mn-lt"/>
+                          <a:ea typeface="+mn-ea"/>
+                          <a:cs typeface="+mn-cs"/>
+                        </a:rPr>
+                        <a:t>0.1495</a:t>
+                      </a:r>
+                    </a:p>
+                  </a:txBody>
+                  <a:tcPr/>
+                </a:tc>
+                <a:tc>
+                  <a:txBody>
+                    <a:bodyPr/>
+                    <a:lstStyle/>
+                    <a:p>
+                      <a:r>
+                        <a:rPr lang="en-US" sz="1800" kern="1200" dirty="0">
+                          <a:solidFill>
+                            <a:schemeClr val="tx1">
+                              <a:lumMod val="75000"/>
+                              <a:lumOff val="25000"/>
+                            </a:schemeClr>
+                          </a:solidFill>
+                          <a:latin typeface="+mn-lt"/>
+                          <a:ea typeface="+mn-ea"/>
+                          <a:cs typeface="+mn-cs"/>
+                        </a:rPr>
+                        <a:t>0.0000</a:t>
+                      </a:r>
+                      <a:endParaRPr lang="sr-Latn-RS" sz="1800" kern="1200" dirty="0">
+                        <a:solidFill>
+                          <a:schemeClr val="tx1">
+                            <a:lumMod val="75000"/>
+                            <a:lumOff val="25000"/>
+                          </a:schemeClr>
+                        </a:solidFill>
+                        <a:latin typeface="+mn-lt"/>
+                        <a:ea typeface="+mn-ea"/>
+                        <a:cs typeface="+mn-cs"/>
+                      </a:endParaRPr>
+                    </a:p>
+                  </a:txBody>
+                  <a:tcPr/>
+                </a:tc>
+                <a:extLst>
+                  <a:ext uri="{0D108BD9-81ED-4DB2-BD59-A6C34878D82A}">
+                    <a16:rowId xmlns:a16="http://schemas.microsoft.com/office/drawing/2014/main" val="405682943"/>
+                  </a:ext>
+                </a:extLst>
+              </a:tr>
+              <a:tr h="370840">
+                <a:tc>
+                  <a:txBody>
+                    <a:bodyPr/>
+                    <a:lstStyle/>
+                    <a:p>
+                      <a:r>
+                        <a:rPr lang="sr-Latn-RS" sz="1800" kern="1200" dirty="0" err="1">
+                          <a:solidFill>
+                            <a:schemeClr val="tx1">
+                              <a:lumMod val="75000"/>
+                              <a:lumOff val="25000"/>
+                            </a:schemeClr>
+                          </a:solidFill>
+                          <a:latin typeface="+mn-lt"/>
+                          <a:ea typeface="+mn-ea"/>
+                          <a:cs typeface="+mn-cs"/>
+                        </a:rPr>
+                        <a:t>Tesseract</a:t>
+                      </a:r>
+                      <a:endParaRPr lang="sr-Latn-RS" sz="1800" kern="1200" dirty="0">
+                        <a:solidFill>
+                          <a:schemeClr val="tx1">
+                            <a:lumMod val="75000"/>
+                            <a:lumOff val="25000"/>
+                          </a:schemeClr>
+                        </a:solidFill>
+                        <a:latin typeface="+mn-lt"/>
+                        <a:ea typeface="+mn-ea"/>
+                        <a:cs typeface="+mn-cs"/>
+                      </a:endParaRPr>
+                    </a:p>
+                  </a:txBody>
+                  <a:tcPr/>
+                </a:tc>
+                <a:tc>
+                  <a:txBody>
+                    <a:bodyPr/>
+                    <a:lstStyle/>
+                    <a:p>
+                      <a:pPr>
+                        <a:buNone/>
+                      </a:pPr>
+                      <a:r>
+                        <a:rPr lang="en-US" sz="1800" kern="1200" dirty="0">
+                          <a:solidFill>
+                            <a:schemeClr val="tx1">
+                              <a:lumMod val="75000"/>
+                              <a:lumOff val="25000"/>
+                            </a:schemeClr>
+                          </a:solidFill>
+                          <a:latin typeface="+mn-lt"/>
+                          <a:ea typeface="+mn-ea"/>
+                          <a:cs typeface="+mn-cs"/>
+                        </a:rPr>
+                        <a:t>Advanced</a:t>
+                      </a:r>
+                      <a:endParaRPr lang="sr-Latn-RS" sz="1800" kern="1200" dirty="0">
+                        <a:solidFill>
+                          <a:schemeClr val="tx1">
+                            <a:lumMod val="75000"/>
+                            <a:lumOff val="25000"/>
+                          </a:schemeClr>
+                        </a:solidFill>
+                        <a:latin typeface="+mn-lt"/>
+                        <a:ea typeface="+mn-ea"/>
+                        <a:cs typeface="+mn-cs"/>
+                      </a:endParaRPr>
+                    </a:p>
+                  </a:txBody>
+                  <a:tcPr anchor="ctr"/>
+                </a:tc>
+                <a:tc>
+                  <a:txBody>
+                    <a:bodyPr/>
+                    <a:lstStyle/>
+                    <a:p>
+                      <a:r>
+                        <a:rPr lang="sr-Latn-RS" sz="1800" kern="1200" dirty="0">
+                          <a:solidFill>
+                            <a:schemeClr val="tx1">
+                              <a:lumMod val="75000"/>
+                              <a:lumOff val="25000"/>
+                            </a:schemeClr>
+                          </a:solidFill>
+                          <a:latin typeface="+mn-lt"/>
+                          <a:ea typeface="+mn-ea"/>
+                          <a:cs typeface="+mn-cs"/>
+                        </a:rPr>
+                        <a:t>0.4393</a:t>
+                      </a:r>
+                    </a:p>
+                  </a:txBody>
+                  <a:tcPr/>
+                </a:tc>
+                <a:tc>
+                  <a:txBody>
+                    <a:bodyPr/>
+                    <a:lstStyle/>
+                    <a:p>
+                      <a:r>
+                        <a:rPr lang="sr-Latn-RS" sz="1800" kern="1200" dirty="0">
+                          <a:solidFill>
+                            <a:schemeClr val="tx1">
+                              <a:lumMod val="75000"/>
+                              <a:lumOff val="25000"/>
+                            </a:schemeClr>
+                          </a:solidFill>
+                          <a:latin typeface="+mn-lt"/>
+                          <a:ea typeface="+mn-ea"/>
+                          <a:cs typeface="+mn-cs"/>
+                        </a:rPr>
+                        <a:t>0.1333</a:t>
+                      </a:r>
+                    </a:p>
+                  </a:txBody>
+                  <a:tcPr/>
+                </a:tc>
+                <a:extLst>
+                  <a:ext uri="{0D108BD9-81ED-4DB2-BD59-A6C34878D82A}">
+                    <a16:rowId xmlns:a16="http://schemas.microsoft.com/office/drawing/2014/main" val="2067275105"/>
+                  </a:ext>
+                </a:extLst>
+              </a:tr>
+            </a:tbl>
+          </a:graphicData>
+        </a:graphic>
+      </p:graphicFrame>
     </p:spTree>
     <p:extLst>
       <p:ext uri="{BB962C8B-B14F-4D97-AF65-F5344CB8AC3E}">
-        <p14:creationId xmlns:p14="http://schemas.microsoft.com/office/powerpoint/2010/main" val="3487625438"/>
+        <p14:creationId xmlns:p14="http://schemas.microsoft.com/office/powerpoint/2010/main" val="1961087356"/>
       </p:ext>
     </p:extLst>
   </p:cSld>
   <p:clrMapOvr>
     <a:masterClrMapping/>
   </p:clrMapOvr>
+  <mc:AlternateContent xmlns:mc="http://schemas.openxmlformats.org/markup-compatibility/2006">
+    <mc:Choice xmlns:p14="http://schemas.microsoft.com/office/powerpoint/2010/main" Requires="p14">
+      <p:transition spd="med" p14:dur="700">
+        <p:fade/>
+      </p:transition>
+    </mc:Choice>
+    <mc:Fallback>
+      <p:transition spd="med">
+        <p:fade/>
+      </p:transition>
+    </mc:Fallback>
+  </mc:AlternateContent>
 </p:sld>
 </file>
 
-<file path=ppt/slides/slide14.xml><?xml version="1.0" encoding="utf-8"?>
+<file path=ppt/slides/slide16.xml><?xml version="1.0" encoding="utf-8"?>
 <p:sld xmlns:a="http://schemas.openxmlformats.org/drawingml/2006/main" xmlns:r="http://schemas.openxmlformats.org/officeDocument/2006/relationships" xmlns:p="http://schemas.openxmlformats.org/presentationml/2006/main">
   <p:cSld>
     <p:spTree>
       <p:nvGrpSpPr>
-        <p:cNvPr id="1" name=""/>
+        <p:cNvPr id="1" name="">
+          <a:extLst>
+            <a:ext uri="{FF2B5EF4-FFF2-40B4-BE49-F238E27FC236}">
+              <a16:creationId xmlns:a16="http://schemas.microsoft.com/office/drawing/2014/main" id="{CBF53B9D-A9D3-0AD4-80F9-D42DDDD0940A}"/>
+            </a:ext>
+          </a:extLst>
+        </p:cNvPr>
         <p:cNvGrpSpPr/>
         <p:nvPr/>
       </p:nvGrpSpPr>
@@ -9630,7 +12009,7 @@
           <p:cNvPr id="2" name="Title 1">
             <a:extLst>
               <a:ext uri="{FF2B5EF4-FFF2-40B4-BE49-F238E27FC236}">
-                <a16:creationId xmlns:a16="http://schemas.microsoft.com/office/drawing/2014/main" id="{0E056E77-DCA7-3954-18F5-2B32504F38CE}"/>
+                <a16:creationId xmlns:a16="http://schemas.microsoft.com/office/drawing/2014/main" id="{29702275-E089-DD98-ABD2-3CAB621D4AC9}"/>
               </a:ext>
             </a:extLst>
           </p:cNvPr>
@@ -9648,39 +12027,309 @@
           <a:p>
             <a:r>
               <a:rPr lang="sr-Latn-RS" dirty="0"/>
-              <a:t>OCR</a:t>
-            </a:r>
+              <a:t>Evaluacija Sistema</a:t>
+            </a:r>
+            <a:r>
+              <a:rPr lang="en-US" dirty="0"/>
+              <a:t> - Pipeline</a:t>
+            </a:r>
+            <a:endParaRPr lang="sr-Latn-RS" dirty="0"/>
           </a:p>
         </p:txBody>
       </p:sp>
       <p:sp>
         <p:nvSpPr>
-          <p:cNvPr id="3" name="Content Placeholder 2">
+          <p:cNvPr id="6" name="Content Placeholder 2">
             <a:extLst>
               <a:ext uri="{FF2B5EF4-FFF2-40B4-BE49-F238E27FC236}">
-                <a16:creationId xmlns:a16="http://schemas.microsoft.com/office/drawing/2014/main" id="{C78C867C-F197-2BE3-3BBA-67873D4BE1A9}"/>
+                <a16:creationId xmlns:a16="http://schemas.microsoft.com/office/drawing/2014/main" id="{68BC4B62-7761-B330-E973-E65962476757}"/>
               </a:ext>
             </a:extLst>
           </p:cNvPr>
-          <p:cNvSpPr>
-            <a:spLocks noGrp="1"/>
+          <p:cNvSpPr txBox="1">
+            <a:spLocks/>
           </p:cNvSpPr>
-          <p:nvPr>
-            <p:ph idx="1"/>
-          </p:nvPr>
+          <p:nvPr/>
         </p:nvSpPr>
-        <p:spPr/>
+        <p:spPr>
+          <a:xfrm>
+            <a:off x="677334" y="1665299"/>
+            <a:ext cx="8596668" cy="4807219"/>
+          </a:xfrm>
+          <a:prstGeom prst="rect">
+            <a:avLst/>
+          </a:prstGeom>
+        </p:spPr>
         <p:txBody>
-          <a:bodyPr/>
-          <a:lstStyle/>
-          <a:p>
+          <a:bodyPr vert="horz" lIns="91440" tIns="45720" rIns="91440" bIns="45720" rtlCol="0">
+            <a:normAutofit fontScale="92500" lnSpcReduction="10000"/>
+          </a:bodyPr>
+          <a:lstStyle>
+            <a:lvl1pPr marL="342900" indent="-342900" algn="l" defTabSz="457200" rtl="0" eaLnBrk="1" latinLnBrk="0" hangingPunct="1">
+              <a:spcBef>
+                <a:spcPts val="1000"/>
+              </a:spcBef>
+              <a:spcAft>
+                <a:spcPts val="0"/>
+              </a:spcAft>
+              <a:buClr>
+                <a:schemeClr val="accent1"/>
+              </a:buClr>
+              <a:buSzPct val="80000"/>
+              <a:buFont typeface="Wingdings 3" charset="2"/>
+              <a:buChar char=""/>
+              <a:defRPr sz="1800" kern="1200">
+                <a:solidFill>
+                  <a:schemeClr val="tx1">
+                    <a:lumMod val="75000"/>
+                    <a:lumOff val="25000"/>
+                  </a:schemeClr>
+                </a:solidFill>
+                <a:latin typeface="+mn-lt"/>
+                <a:ea typeface="+mn-ea"/>
+                <a:cs typeface="+mn-cs"/>
+              </a:defRPr>
+            </a:lvl1pPr>
+            <a:lvl2pPr marL="742950" indent="-285750" algn="l" defTabSz="457200" rtl="0" eaLnBrk="1" latinLnBrk="0" hangingPunct="1">
+              <a:spcBef>
+                <a:spcPts val="1000"/>
+              </a:spcBef>
+              <a:spcAft>
+                <a:spcPts val="0"/>
+              </a:spcAft>
+              <a:buClr>
+                <a:schemeClr val="accent1"/>
+              </a:buClr>
+              <a:buSzPct val="80000"/>
+              <a:buFont typeface="Wingdings 3" charset="2"/>
+              <a:buChar char=""/>
+              <a:defRPr sz="1600" kern="1200">
+                <a:solidFill>
+                  <a:schemeClr val="tx1">
+                    <a:lumMod val="75000"/>
+                    <a:lumOff val="25000"/>
+                  </a:schemeClr>
+                </a:solidFill>
+                <a:latin typeface="+mn-lt"/>
+                <a:ea typeface="+mn-ea"/>
+                <a:cs typeface="+mn-cs"/>
+              </a:defRPr>
+            </a:lvl2pPr>
+            <a:lvl3pPr marL="1143000" indent="-228600" algn="l" defTabSz="457200" rtl="0" eaLnBrk="1" latinLnBrk="0" hangingPunct="1">
+              <a:spcBef>
+                <a:spcPts val="1000"/>
+              </a:spcBef>
+              <a:spcAft>
+                <a:spcPts val="0"/>
+              </a:spcAft>
+              <a:buClr>
+                <a:schemeClr val="accent1"/>
+              </a:buClr>
+              <a:buSzPct val="80000"/>
+              <a:buFont typeface="Wingdings 3" charset="2"/>
+              <a:buChar char=""/>
+              <a:defRPr sz="1400" kern="1200">
+                <a:solidFill>
+                  <a:schemeClr val="tx1">
+                    <a:lumMod val="75000"/>
+                    <a:lumOff val="25000"/>
+                  </a:schemeClr>
+                </a:solidFill>
+                <a:latin typeface="+mn-lt"/>
+                <a:ea typeface="+mn-ea"/>
+                <a:cs typeface="+mn-cs"/>
+              </a:defRPr>
+            </a:lvl3pPr>
+            <a:lvl4pPr marL="1600200" indent="-228600" algn="l" defTabSz="457200" rtl="0" eaLnBrk="1" latinLnBrk="0" hangingPunct="1">
+              <a:spcBef>
+                <a:spcPts val="1000"/>
+              </a:spcBef>
+              <a:spcAft>
+                <a:spcPts val="0"/>
+              </a:spcAft>
+              <a:buClr>
+                <a:schemeClr val="accent1"/>
+              </a:buClr>
+              <a:buSzPct val="80000"/>
+              <a:buFont typeface="Wingdings 3" charset="2"/>
+              <a:buChar char=""/>
+              <a:defRPr sz="1200" kern="1200">
+                <a:solidFill>
+                  <a:schemeClr val="tx1">
+                    <a:lumMod val="75000"/>
+                    <a:lumOff val="25000"/>
+                  </a:schemeClr>
+                </a:solidFill>
+                <a:latin typeface="+mn-lt"/>
+                <a:ea typeface="+mn-ea"/>
+                <a:cs typeface="+mn-cs"/>
+              </a:defRPr>
+            </a:lvl4pPr>
+            <a:lvl5pPr marL="2057400" indent="-228600" algn="l" defTabSz="457200" rtl="0" eaLnBrk="1" latinLnBrk="0" hangingPunct="1">
+              <a:spcBef>
+                <a:spcPts val="1000"/>
+              </a:spcBef>
+              <a:spcAft>
+                <a:spcPts val="0"/>
+              </a:spcAft>
+              <a:buClr>
+                <a:schemeClr val="accent1"/>
+              </a:buClr>
+              <a:buSzPct val="80000"/>
+              <a:buFont typeface="Wingdings 3" charset="2"/>
+              <a:buChar char=""/>
+              <a:defRPr sz="1200" kern="1200">
+                <a:solidFill>
+                  <a:schemeClr val="tx1">
+                    <a:lumMod val="75000"/>
+                    <a:lumOff val="25000"/>
+                  </a:schemeClr>
+                </a:solidFill>
+                <a:latin typeface="+mn-lt"/>
+                <a:ea typeface="+mn-ea"/>
+                <a:cs typeface="+mn-cs"/>
+              </a:defRPr>
+            </a:lvl5pPr>
+            <a:lvl6pPr marL="2514600" indent="-228600" algn="l" defTabSz="457200" rtl="0" eaLnBrk="1" latinLnBrk="0" hangingPunct="1">
+              <a:spcBef>
+                <a:spcPts val="1000"/>
+              </a:spcBef>
+              <a:spcAft>
+                <a:spcPts val="0"/>
+              </a:spcAft>
+              <a:buClr>
+                <a:schemeClr val="accent1"/>
+              </a:buClr>
+              <a:buSzPct val="80000"/>
+              <a:buFont typeface="Wingdings 3" charset="2"/>
+              <a:buChar char=""/>
+              <a:defRPr sz="1200" kern="1200">
+                <a:solidFill>
+                  <a:schemeClr val="tx1">
+                    <a:lumMod val="75000"/>
+                    <a:lumOff val="25000"/>
+                  </a:schemeClr>
+                </a:solidFill>
+                <a:latin typeface="+mn-lt"/>
+                <a:ea typeface="+mn-ea"/>
+                <a:cs typeface="+mn-cs"/>
+              </a:defRPr>
+            </a:lvl6pPr>
+            <a:lvl7pPr marL="2971800" indent="-228600" algn="l" defTabSz="457200" rtl="0" eaLnBrk="1" latinLnBrk="0" hangingPunct="1">
+              <a:spcBef>
+                <a:spcPts val="1000"/>
+              </a:spcBef>
+              <a:spcAft>
+                <a:spcPts val="0"/>
+              </a:spcAft>
+              <a:buClr>
+                <a:schemeClr val="accent1"/>
+              </a:buClr>
+              <a:buSzPct val="80000"/>
+              <a:buFont typeface="Wingdings 3" charset="2"/>
+              <a:buChar char=""/>
+              <a:defRPr sz="1200" kern="1200">
+                <a:solidFill>
+                  <a:schemeClr val="tx1">
+                    <a:lumMod val="75000"/>
+                    <a:lumOff val="25000"/>
+                  </a:schemeClr>
+                </a:solidFill>
+                <a:latin typeface="+mn-lt"/>
+                <a:ea typeface="+mn-ea"/>
+                <a:cs typeface="+mn-cs"/>
+              </a:defRPr>
+            </a:lvl7pPr>
+            <a:lvl8pPr marL="3429000" indent="-228600" algn="l" defTabSz="457200" rtl="0" eaLnBrk="1" latinLnBrk="0" hangingPunct="1">
+              <a:spcBef>
+                <a:spcPts val="1000"/>
+              </a:spcBef>
+              <a:spcAft>
+                <a:spcPts val="0"/>
+              </a:spcAft>
+              <a:buClr>
+                <a:schemeClr val="accent1"/>
+              </a:buClr>
+              <a:buSzPct val="80000"/>
+              <a:buFont typeface="Wingdings 3" charset="2"/>
+              <a:buChar char=""/>
+              <a:defRPr sz="1200" kern="1200">
+                <a:solidFill>
+                  <a:schemeClr val="tx1">
+                    <a:lumMod val="75000"/>
+                    <a:lumOff val="25000"/>
+                  </a:schemeClr>
+                </a:solidFill>
+                <a:latin typeface="+mn-lt"/>
+                <a:ea typeface="+mn-ea"/>
+                <a:cs typeface="+mn-cs"/>
+              </a:defRPr>
+            </a:lvl8pPr>
+            <a:lvl9pPr marL="3886200" indent="-228600" algn="l" defTabSz="457200" rtl="0" eaLnBrk="1" latinLnBrk="0" hangingPunct="1">
+              <a:spcBef>
+                <a:spcPts val="1000"/>
+              </a:spcBef>
+              <a:spcAft>
+                <a:spcPts val="0"/>
+              </a:spcAft>
+              <a:buClr>
+                <a:schemeClr val="accent1"/>
+              </a:buClr>
+              <a:buSzPct val="80000"/>
+              <a:buFont typeface="Wingdings 3" charset="2"/>
+              <a:buChar char=""/>
+              <a:defRPr sz="1200" kern="1200">
+                <a:solidFill>
+                  <a:schemeClr val="tx1">
+                    <a:lumMod val="75000"/>
+                    <a:lumOff val="25000"/>
+                  </a:schemeClr>
+                </a:solidFill>
+                <a:latin typeface="+mn-lt"/>
+                <a:ea typeface="+mn-ea"/>
+                <a:cs typeface="+mn-cs"/>
+              </a:defRPr>
+            </a:lvl9pPr>
+          </a:lstStyle>
+          <a:p>
+            <a:r>
+              <a:rPr lang="en-US" b="1" dirty="0"/>
+              <a:t>Z</a:t>
+            </a:r>
+            <a:r>
+              <a:rPr lang="sr-Latn-RS" b="1" dirty="0" err="1"/>
+              <a:t>aključak</a:t>
+            </a:r>
+            <a:r>
+              <a:rPr lang="sr-Latn-RS" b="1" dirty="0"/>
+              <a:t>:</a:t>
+            </a:r>
+            <a:endParaRPr lang="sr-Latn-RS" dirty="0"/>
+          </a:p>
+          <a:p>
+            <a:r>
+              <a:rPr lang="sr-Latn-RS" b="1" dirty="0"/>
+              <a:t>YOLO model veličina:</a:t>
+            </a:r>
+            <a:endParaRPr lang="sr-Latn-RS" dirty="0"/>
+          </a:p>
+          <a:p>
+            <a:pPr lvl="1"/>
             <a:r>
               <a:rPr lang="sr-Latn-RS" dirty="0"/>
-              <a:t>OCR (</a:t>
+              <a:t>Veći modeli (</a:t>
             </a:r>
             <a:r>
               <a:rPr lang="sr-Latn-RS" dirty="0" err="1"/>
-              <a:t>Optical</a:t>
+              <a:t>Large</a:t>
+            </a:r>
+            <a:r>
+              <a:rPr lang="sr-Latn-RS" dirty="0"/>
+              <a:t>) daju bolje rezultate </a:t>
+            </a:r>
+            <a:r>
+              <a:rPr lang="sr-Latn-RS" dirty="0" err="1"/>
+              <a:t>char</a:t>
             </a:r>
             <a:r>
               <a:rPr lang="sr-Latn-RS" dirty="0"/>
@@ -9688,7 +12337,58 @@
             </a:r>
             <a:r>
               <a:rPr lang="sr-Latn-RS" dirty="0" err="1"/>
-              <a:t>Character</a:t>
+              <a:t>accuracy</a:t>
+            </a:r>
+            <a:r>
+              <a:rPr lang="sr-Latn-RS" dirty="0"/>
+              <a:t> i plate </a:t>
+            </a:r>
+            <a:r>
+              <a:rPr lang="sr-Latn-RS" dirty="0" err="1"/>
+              <a:t>accuracy</a:t>
+            </a:r>
+            <a:r>
+              <a:rPr lang="sr-Latn-RS" dirty="0"/>
+              <a:t> u poređenju sa Mid i SRB (</a:t>
+            </a:r>
+            <a:r>
+              <a:rPr lang="sr-Latn-RS" dirty="0" err="1"/>
+              <a:t>small</a:t>
+            </a:r>
+            <a:r>
+              <a:rPr lang="sr-Latn-RS" dirty="0"/>
+              <a:t>) modelima, što pokazuje da </a:t>
+            </a:r>
+            <a:r>
+              <a:rPr lang="sr-Latn-RS" b="1" dirty="0"/>
+              <a:t>preciznije detekcioni modeli pomažu OCR-u da bolje prepozna karaktere</a:t>
+            </a:r>
+            <a:r>
+              <a:rPr lang="sr-Latn-RS" dirty="0"/>
+              <a:t>.</a:t>
+            </a:r>
+            <a:endParaRPr lang="en-US" dirty="0"/>
+          </a:p>
+          <a:p>
+            <a:r>
+              <a:rPr lang="en-US" b="1" dirty="0"/>
+              <a:t>OCR:</a:t>
+            </a:r>
+            <a:endParaRPr lang="sr-Latn-RS" dirty="0"/>
+          </a:p>
+          <a:p>
+            <a:pPr lvl="1"/>
+            <a:r>
+              <a:rPr lang="sr-Latn-RS" b="1" dirty="0" err="1"/>
+              <a:t>Tesseract</a:t>
+            </a:r>
+            <a:r>
+              <a:rPr lang="sr-Latn-RS" dirty="0"/>
+              <a:t> generalno daje nižu </a:t>
+            </a:r>
+            <a:r>
+              <a:rPr lang="sr-Latn-RS" dirty="0" err="1"/>
+              <a:t>char</a:t>
             </a:r>
             <a:r>
               <a:rPr lang="sr-Latn-RS" dirty="0"/>
@@ -9696,34 +12396,106 @@
             </a:r>
             <a:r>
               <a:rPr lang="sr-Latn-RS" dirty="0" err="1"/>
-              <a:t>Recognition</a:t>
+              <a:t>accuracy</a:t>
             </a:r>
             <a:r>
               <a:rPr lang="sr-Latn-RS" dirty="0"/>
-              <a:t>)</a:t>
-            </a:r>
-          </a:p>
-          <a:p>
-            <a:pPr lvl="1"/>
-            <a:r>
-              <a:rPr lang="sr-Latn-RS" dirty="0"/>
-              <a:t> prepoznavanje teksta sa slike</a:t>
-            </a:r>
-          </a:p>
-          <a:p>
-            <a:r>
-              <a:rPr lang="sr-Latn-RS" dirty="0"/>
-              <a:t>Koristi tehnike dubokog učenja i obrade slike</a:t>
-            </a:r>
-          </a:p>
-          <a:p>
+              <a:t> od </a:t>
+            </a:r>
             <a:r>
               <a:rPr lang="sr-Latn-RS" dirty="0" err="1"/>
               <a:t>PaddleOCR</a:t>
             </a:r>
             <a:r>
               <a:rPr lang="sr-Latn-RS" dirty="0"/>
-              <a:t> i </a:t>
+              <a:t>-a u svim kombinacijama, ali povremeno ima bolje plate </a:t>
+            </a:r>
+            <a:r>
+              <a:rPr lang="sr-Latn-RS" dirty="0" err="1"/>
+              <a:t>accuracy</a:t>
+            </a:r>
+            <a:r>
+              <a:rPr lang="sr-Latn-RS" dirty="0"/>
+              <a:t> (npr. </a:t>
+            </a:r>
+            <a:r>
+              <a:rPr lang="sr-Latn-RS" dirty="0" err="1"/>
+              <a:t>Large</a:t>
+            </a:r>
+            <a:r>
+              <a:rPr lang="sr-Latn-RS" dirty="0"/>
+              <a:t> + </a:t>
+            </a:r>
+            <a:r>
+              <a:rPr lang="sr-Latn-RS" dirty="0" err="1"/>
+              <a:t>Advanced</a:t>
+            </a:r>
+            <a:r>
+              <a:rPr lang="sr-Latn-RS" dirty="0"/>
+              <a:t> = 20%).</a:t>
+            </a:r>
+            <a:endParaRPr lang="en-US" dirty="0"/>
+          </a:p>
+          <a:p>
+            <a:r>
+              <a:rPr lang="en-US" b="1" dirty="0" err="1"/>
+              <a:t>Obrada</a:t>
+            </a:r>
+            <a:r>
+              <a:rPr lang="en-US" b="1" dirty="0"/>
+              <a:t> </a:t>
+            </a:r>
+            <a:r>
+              <a:rPr lang="en-US" b="1" dirty="0" err="1"/>
+              <a:t>slike</a:t>
+            </a:r>
+            <a:r>
+              <a:rPr lang="sr-Latn-RS" b="1" dirty="0"/>
+              <a:t>:</a:t>
+            </a:r>
+            <a:endParaRPr lang="sr-Latn-RS" dirty="0"/>
+          </a:p>
+          <a:p>
+            <a:pPr lvl="1"/>
+            <a:r>
+              <a:rPr lang="sr-Latn-RS" b="1" dirty="0" err="1"/>
+              <a:t>Advanced</a:t>
+            </a:r>
+            <a:r>
+              <a:rPr lang="sr-Latn-RS" b="1" dirty="0"/>
+              <a:t> </a:t>
+            </a:r>
+            <a:r>
+              <a:rPr lang="sr-Latn-RS" b="1" dirty="0" err="1"/>
+              <a:t>enhancement</a:t>
+            </a:r>
+            <a:r>
+              <a:rPr lang="sr-Latn-RS" dirty="0"/>
+              <a:t> poboljšava </a:t>
+            </a:r>
+            <a:r>
+              <a:rPr lang="sr-Latn-RS" dirty="0" err="1"/>
+              <a:t>char</a:t>
+            </a:r>
+            <a:r>
+              <a:rPr lang="sr-Latn-RS" dirty="0"/>
+              <a:t> </a:t>
+            </a:r>
+            <a:r>
+              <a:rPr lang="sr-Latn-RS" dirty="0" err="1"/>
+              <a:t>accuracy</a:t>
+            </a:r>
+            <a:r>
+              <a:rPr lang="sr-Latn-RS" dirty="0"/>
+              <a:t> posebno kod </a:t>
+            </a:r>
+            <a:r>
+              <a:rPr lang="sr-Latn-RS" dirty="0" err="1"/>
+              <a:t>PaddleOCR</a:t>
+            </a:r>
+            <a:r>
+              <a:rPr lang="sr-Latn-RS" dirty="0"/>
+              <a:t>-a i </a:t>
             </a:r>
             <a:r>
               <a:rPr lang="sr-Latn-RS" dirty="0" err="1"/>
@@ -9731,31 +12503,149 @@
             </a:r>
             <a:r>
               <a:rPr lang="sr-Latn-RS" dirty="0"/>
-              <a:t> kao alati</a:t>
-            </a:r>
-          </a:p>
-          <a:p>
+              <a:t>-a na </a:t>
+            </a:r>
+            <a:r>
+              <a:rPr lang="sr-Latn-RS" dirty="0" err="1"/>
+              <a:t>Large</a:t>
+            </a:r>
             <a:r>
               <a:rPr lang="sr-Latn-RS" dirty="0"/>
-              <a:t>Izlaz: prepoznati string karaktera</a:t>
-            </a:r>
+              <a:t> modelu.</a:t>
+            </a:r>
+          </a:p>
+          <a:p>
+            <a:pPr lvl="1"/>
+            <a:r>
+              <a:rPr lang="sr-Latn-RS" b="1" dirty="0"/>
+              <a:t>Basic </a:t>
+            </a:r>
+            <a:r>
+              <a:rPr lang="sr-Latn-RS" b="1" dirty="0" err="1"/>
+              <a:t>enhancement</a:t>
+            </a:r>
+            <a:r>
+              <a:rPr lang="sr-Latn-RS" dirty="0"/>
+              <a:t> često ne pomaže ili čak smanjuje tačnost (npr. Mid model + </a:t>
+            </a:r>
+            <a:r>
+              <a:rPr lang="sr-Latn-RS" dirty="0" err="1"/>
+              <a:t>Tesseract</a:t>
+            </a:r>
+            <a:r>
+              <a:rPr lang="sr-Latn-RS" dirty="0"/>
+              <a:t>).</a:t>
+            </a:r>
+            <a:endParaRPr lang="en-US" dirty="0"/>
+          </a:p>
+          <a:p>
+            <a:r>
+              <a:rPr lang="sr-Latn-RS" dirty="0"/>
+              <a:t>Najbolje performanse po </a:t>
+            </a:r>
+            <a:r>
+              <a:rPr lang="sr-Latn-RS" b="1" dirty="0" err="1"/>
+              <a:t>Char</a:t>
+            </a:r>
+            <a:r>
+              <a:rPr lang="sr-Latn-RS" b="1" dirty="0"/>
+              <a:t> </a:t>
+            </a:r>
+            <a:r>
+              <a:rPr lang="sr-Latn-RS" b="1" dirty="0" err="1"/>
+              <a:t>Accuracy</a:t>
+            </a:r>
+            <a:r>
+              <a:rPr lang="sr-Latn-RS" dirty="0"/>
+              <a:t> daje kombinacija </a:t>
+            </a:r>
+            <a:r>
+              <a:rPr lang="en-US" b="1" dirty="0"/>
+              <a:t>YOLO</a:t>
+            </a:r>
+            <a:r>
+              <a:rPr lang="en-US" dirty="0"/>
+              <a:t> </a:t>
+            </a:r>
+            <a:r>
+              <a:rPr lang="sr-Latn-RS" b="1" dirty="0" err="1"/>
+              <a:t>Large</a:t>
+            </a:r>
+            <a:r>
+              <a:rPr lang="sr-Latn-RS" b="1" dirty="0"/>
+              <a:t> + </a:t>
+            </a:r>
+            <a:r>
+              <a:rPr lang="sr-Latn-RS" b="1" dirty="0" err="1"/>
+              <a:t>Advanced</a:t>
+            </a:r>
+            <a:r>
+              <a:rPr lang="sr-Latn-RS" b="1" dirty="0"/>
+              <a:t> + </a:t>
+            </a:r>
+            <a:r>
+              <a:rPr lang="sr-Latn-RS" b="1" dirty="0" err="1"/>
+              <a:t>PaddleOCR</a:t>
+            </a:r>
+            <a:r>
+              <a:rPr lang="sr-Latn-RS" b="1" dirty="0"/>
+              <a:t> (82.57%)</a:t>
+            </a:r>
+            <a:r>
+              <a:rPr lang="sr-Latn-RS" dirty="0"/>
+              <a:t>, dok </a:t>
+            </a:r>
+            <a:r>
+              <a:rPr lang="sr-Latn-RS" b="1" dirty="0"/>
+              <a:t>Plate </a:t>
+            </a:r>
+            <a:r>
+              <a:rPr lang="sr-Latn-RS" b="1" dirty="0" err="1"/>
+              <a:t>Accuracy</a:t>
+            </a:r>
+            <a:r>
+              <a:rPr lang="sr-Latn-RS" dirty="0"/>
+              <a:t> i dalje ostaje relativno niska (33.33%).</a:t>
+            </a:r>
+            <a:endParaRPr lang="en-US" dirty="0"/>
+          </a:p>
+          <a:p>
+            <a:endParaRPr lang="en-US" dirty="0"/>
+          </a:p>
+          <a:p>
+            <a:endParaRPr lang="en-US" dirty="0"/>
+          </a:p>
+          <a:p>
+            <a:endParaRPr lang="en-US" dirty="0"/>
           </a:p>
         </p:txBody>
       </p:sp>
     </p:spTree>
     <p:extLst>
       <p:ext uri="{BB962C8B-B14F-4D97-AF65-F5344CB8AC3E}">
-        <p14:creationId xmlns:p14="http://schemas.microsoft.com/office/powerpoint/2010/main" val="2631476622"/>
+        <p14:creationId xmlns:p14="http://schemas.microsoft.com/office/powerpoint/2010/main" val="247538677"/>
       </p:ext>
     </p:extLst>
   </p:cSld>
   <p:clrMapOvr>
     <a:masterClrMapping/>
   </p:clrMapOvr>
+  <mc:AlternateContent xmlns:mc="http://schemas.openxmlformats.org/markup-compatibility/2006">
+    <mc:Choice xmlns:p14="http://schemas.microsoft.com/office/powerpoint/2010/main" Requires="p14">
+      <p:transition spd="med" p14:dur="700">
+        <p:fade/>
+      </p:transition>
+    </mc:Choice>
+    <mc:Fallback>
+      <p:transition spd="med">
+        <p:fade/>
+      </p:transition>
+    </mc:Fallback>
+  </mc:AlternateContent>
 </p:sld>
 </file>
 
-<file path=ppt/slides/slide15.xml><?xml version="1.0" encoding="utf-8"?>
+<file path=ppt/slides/slide17.xml><?xml version="1.0" encoding="utf-8"?>
 <p:sld xmlns:a="http://schemas.openxmlformats.org/drawingml/2006/main" xmlns:r="http://schemas.openxmlformats.org/officeDocument/2006/relationships" xmlns:p="http://schemas.openxmlformats.org/presentationml/2006/main">
   <p:cSld>
     <p:spTree>
@@ -9835,15 +12725,15 @@
           <a:p>
             <a:r>
               <a:rPr lang="sr-Latn-RS" dirty="0"/>
-              <a:t>Sledeći korak u razvoju: obučavanje OCR modela nad tekstom sa </a:t>
-            </a:r>
-            <a:r>
-              <a:rPr lang="sr-Latn-RS" dirty="0" err="1"/>
-              <a:t>domacih</a:t>
+              <a:t>Sledeći korak u razvoju: obučavanje OCR modela nad tekstom sa doma</a:t>
+            </a:r>
+            <a:r>
+              <a:rPr lang="en-US" dirty="0"/>
+              <a:t>ć</a:t>
             </a:r>
             <a:r>
               <a:rPr lang="sr-Latn-RS" dirty="0"/>
-              <a:t> tablica.</a:t>
+              <a:t>ih tablica.</a:t>
             </a:r>
           </a:p>
           <a:p>
@@ -9872,10 +12762,22 @@
   <p:clrMapOvr>
     <a:masterClrMapping/>
   </p:clrMapOvr>
+  <mc:AlternateContent xmlns:mc="http://schemas.openxmlformats.org/markup-compatibility/2006">
+    <mc:Choice xmlns:p14="http://schemas.microsoft.com/office/powerpoint/2010/main" Requires="p14">
+      <p:transition spd="med" p14:dur="700">
+        <p:fade/>
+      </p:transition>
+    </mc:Choice>
+    <mc:Fallback>
+      <p:transition spd="med">
+        <p:fade/>
+      </p:transition>
+    </mc:Fallback>
+  </mc:AlternateContent>
 </p:sld>
 </file>
 
-<file path=ppt/slides/slide16.xml><?xml version="1.0" encoding="utf-8"?>
+<file path=ppt/slides/slide18.xml><?xml version="1.0" encoding="utf-8"?>
 <p:sld xmlns:a="http://schemas.openxmlformats.org/drawingml/2006/main" xmlns:r="http://schemas.openxmlformats.org/officeDocument/2006/relationships" xmlns:p="http://schemas.openxmlformats.org/presentationml/2006/main">
   <p:cSld>
     <p:spTree>
@@ -9970,13 +12872,13 @@
   <p:clrMapOvr>
     <a:masterClrMapping/>
   </p:clrMapOvr>
-  <mc:AlternateContent xmlns:mc="http://schemas.openxmlformats.org/markup-compatibility/2006">
-    <mc:Choice xmlns:p14="http://schemas.microsoft.com/office/powerpoint/2010/main" Requires="p14">
+  <mc:AlternateContent xmlns:mc="http://schemas.openxmlformats.org/markup-compatibility/2006" xmlns:p14="http://schemas.microsoft.com/office/powerpoint/2010/main">
+    <mc:Choice Requires="p14">
       <p:transition spd="med" p14:dur="700">
         <p:fade/>
       </p:transition>
     </mc:Choice>
-    <mc:Fallback>
+    <mc:Fallback xmlns="">
       <p:transition spd="med">
         <p:fade/>
       </p:transition>
@@ -10085,13 +12987,13 @@
   <p:clrMapOvr>
     <a:masterClrMapping/>
   </p:clrMapOvr>
-  <mc:AlternateContent xmlns:mc="http://schemas.openxmlformats.org/markup-compatibility/2006">
-    <mc:Choice xmlns:p14="http://schemas.microsoft.com/office/powerpoint/2010/main" Requires="p14">
+  <mc:AlternateContent xmlns:mc="http://schemas.openxmlformats.org/markup-compatibility/2006" xmlns:p14="http://schemas.microsoft.com/office/powerpoint/2010/main">
+    <mc:Choice Requires="p14">
       <p:transition spd="med" p14:dur="700">
         <p:fade/>
       </p:transition>
     </mc:Choice>
-    <mc:Fallback>
+    <mc:Fallback xmlns="">
       <p:transition spd="med">
         <p:fade/>
       </p:transition>
@@ -10217,13 +13119,13 @@
   <p:clrMapOvr>
     <a:masterClrMapping/>
   </p:clrMapOvr>
-  <mc:AlternateContent xmlns:mc="http://schemas.openxmlformats.org/markup-compatibility/2006">
-    <mc:Choice xmlns:p14="http://schemas.microsoft.com/office/powerpoint/2010/main" Requires="p14">
+  <mc:AlternateContent xmlns:mc="http://schemas.openxmlformats.org/markup-compatibility/2006" xmlns:p14="http://schemas.microsoft.com/office/powerpoint/2010/main">
+    <mc:Choice Requires="p14">
       <p:transition spd="med" p14:dur="700">
         <p:fade/>
       </p:transition>
     </mc:Choice>
-    <mc:Fallback>
+    <mc:Fallback xmlns="">
       <p:transition spd="med">
         <p:fade/>
       </p:transition>
@@ -10254,7 +13156,7 @@
           <p:cNvPr id="2" name="Title 1">
             <a:extLst>
               <a:ext uri="{FF2B5EF4-FFF2-40B4-BE49-F238E27FC236}">
-                <a16:creationId xmlns:a16="http://schemas.microsoft.com/office/drawing/2014/main" id="{D957BBE9-95C5-55DA-0807-F51FE48637A3}"/>
+                <a16:creationId xmlns:a16="http://schemas.microsoft.com/office/drawing/2014/main" id="{58330292-271D-CD91-3C80-605DAA4EB0FD}"/>
               </a:ext>
             </a:extLst>
           </p:cNvPr>
@@ -10272,7 +13174,7 @@
           <a:p>
             <a:r>
               <a:rPr lang="sr-Latn-RS" dirty="0"/>
-              <a:t>Skup podataka</a:t>
+              <a:t>YOLO</a:t>
             </a:r>
           </a:p>
         </p:txBody>
@@ -10282,7 +13184,7 @@
           <p:cNvPr id="3" name="Content Placeholder 2">
             <a:extLst>
               <a:ext uri="{FF2B5EF4-FFF2-40B4-BE49-F238E27FC236}">
-                <a16:creationId xmlns:a16="http://schemas.microsoft.com/office/drawing/2014/main" id="{59689606-E4EA-3CF7-4CDD-408528998578}"/>
+                <a16:creationId xmlns:a16="http://schemas.microsoft.com/office/drawing/2014/main" id="{FC10622A-0FB1-F17B-0095-7FE3BFDA2091}"/>
               </a:ext>
             </a:extLst>
           </p:cNvPr>
@@ -10300,37 +13202,72 @@
           <a:p>
             <a:r>
               <a:rPr lang="sr-Latn-RS" dirty="0"/>
-              <a:t>Prikupljene slike sa sajta polovniautomobili.com</a:t>
-            </a:r>
-          </a:p>
-          <a:p>
+              <a:t>YOLO = “</a:t>
+            </a:r>
+            <a:r>
+              <a:rPr lang="sr-Latn-RS" dirty="0" err="1"/>
+              <a:t>You</a:t>
+            </a:r>
             <a:r>
               <a:rPr lang="sr-Latn-RS" dirty="0"/>
-              <a:t>Ručna anotacija korišćenjem </a:t>
+              <a:t> </a:t>
             </a:r>
             <a:r>
               <a:rPr lang="sr-Latn-RS" dirty="0" err="1"/>
-              <a:t>Label</a:t>
+              <a:t>Only</a:t>
             </a:r>
             <a:r>
               <a:rPr lang="sr-Latn-RS" dirty="0"/>
-              <a:t> Studio</a:t>
-            </a:r>
-          </a:p>
-          <a:p>
+              <a:t> </a:t>
+            </a:r>
+            <a:r>
+              <a:rPr lang="sr-Latn-RS" dirty="0" err="1"/>
+              <a:t>Look</a:t>
+            </a:r>
             <a:r>
               <a:rPr lang="sr-Latn-RS" dirty="0"/>
-              <a:t>Podaci pripremljeni u YOLO formatu</a:t>
-            </a:r>
-          </a:p>
-          <a:p>
+              <a:t> </a:t>
+            </a:r>
             <a:r>
               <a:rPr lang="sr-Latn-RS" dirty="0" err="1"/>
-              <a:t>Augmentacija</a:t>
+              <a:t>Once</a:t>
             </a:r>
             <a:r>
               <a:rPr lang="sr-Latn-RS" dirty="0"/>
-              <a:t>: rotacija, ogledanje, promena kontrasta, osvetljenja, dodavanje šuma</a:t>
+              <a:t>”</a:t>
+            </a:r>
+          </a:p>
+          <a:p>
+            <a:r>
+              <a:rPr lang="sr-Latn-RS" dirty="0"/>
+              <a:t>Radi detekciju u realnom vremenu (jedan prolaz kroz mrežu)</a:t>
+            </a:r>
+          </a:p>
+          <a:p>
+            <a:r>
+              <a:rPr lang="sr-Latn-RS" dirty="0"/>
+              <a:t>Podela slike na mrežu</a:t>
+            </a:r>
+          </a:p>
+          <a:p>
+            <a:pPr lvl="1"/>
+            <a:r>
+              <a:rPr lang="sr-Latn-RS" dirty="0"/>
+              <a:t> predviđanje </a:t>
+            </a:r>
+            <a:r>
+              <a:rPr lang="sr-Latn-RS" dirty="0" err="1"/>
+              <a:t>bounding-box</a:t>
+            </a:r>
+            <a:r>
+              <a:rPr lang="sr-Latn-RS" dirty="0"/>
+              <a:t> koordinata i verovatnoća</a:t>
+            </a:r>
+          </a:p>
+          <a:p>
+            <a:r>
+              <a:rPr lang="sr-Latn-RS" dirty="0"/>
+              <a:t>Prednosti: brzina i dobra preciznost</a:t>
             </a:r>
           </a:p>
         </p:txBody>
@@ -10338,7 +13275,7 @@
     </p:spTree>
     <p:extLst>
       <p:ext uri="{BB962C8B-B14F-4D97-AF65-F5344CB8AC3E}">
-        <p14:creationId xmlns:p14="http://schemas.microsoft.com/office/powerpoint/2010/main" val="3746128746"/>
+        <p14:creationId xmlns:p14="http://schemas.microsoft.com/office/powerpoint/2010/main" val="3487625438"/>
       </p:ext>
     </p:extLst>
   </p:cSld>
@@ -10382,6 +13319,293 @@
           <p:cNvPr id="2" name="Title 1">
             <a:extLst>
               <a:ext uri="{FF2B5EF4-FFF2-40B4-BE49-F238E27FC236}">
+                <a16:creationId xmlns:a16="http://schemas.microsoft.com/office/drawing/2014/main" id="{0E056E77-DCA7-3954-18F5-2B32504F38CE}"/>
+              </a:ext>
+            </a:extLst>
+          </p:cNvPr>
+          <p:cNvSpPr>
+            <a:spLocks noGrp="1"/>
+          </p:cNvSpPr>
+          <p:nvPr>
+            <p:ph type="title"/>
+          </p:nvPr>
+        </p:nvSpPr>
+        <p:spPr/>
+        <p:txBody>
+          <a:bodyPr/>
+          <a:lstStyle/>
+          <a:p>
+            <a:r>
+              <a:rPr lang="sr-Latn-RS" dirty="0"/>
+              <a:t>OCR</a:t>
+            </a:r>
+          </a:p>
+        </p:txBody>
+      </p:sp>
+      <p:sp>
+        <p:nvSpPr>
+          <p:cNvPr id="3" name="Content Placeholder 2">
+            <a:extLst>
+              <a:ext uri="{FF2B5EF4-FFF2-40B4-BE49-F238E27FC236}">
+                <a16:creationId xmlns:a16="http://schemas.microsoft.com/office/drawing/2014/main" id="{C78C867C-F197-2BE3-3BBA-67873D4BE1A9}"/>
+              </a:ext>
+            </a:extLst>
+          </p:cNvPr>
+          <p:cNvSpPr>
+            <a:spLocks noGrp="1"/>
+          </p:cNvSpPr>
+          <p:nvPr>
+            <p:ph idx="1"/>
+          </p:nvPr>
+        </p:nvSpPr>
+        <p:spPr/>
+        <p:txBody>
+          <a:bodyPr/>
+          <a:lstStyle/>
+          <a:p>
+            <a:r>
+              <a:rPr lang="sr-Latn-RS" dirty="0"/>
+              <a:t>OCR (</a:t>
+            </a:r>
+            <a:r>
+              <a:rPr lang="sr-Latn-RS" dirty="0" err="1"/>
+              <a:t>Optical</a:t>
+            </a:r>
+            <a:r>
+              <a:rPr lang="sr-Latn-RS" dirty="0"/>
+              <a:t> </a:t>
+            </a:r>
+            <a:r>
+              <a:rPr lang="sr-Latn-RS" dirty="0" err="1"/>
+              <a:t>Character</a:t>
+            </a:r>
+            <a:r>
+              <a:rPr lang="sr-Latn-RS" dirty="0"/>
+              <a:t> </a:t>
+            </a:r>
+            <a:r>
+              <a:rPr lang="sr-Latn-RS" dirty="0" err="1"/>
+              <a:t>Recognition</a:t>
+            </a:r>
+            <a:r>
+              <a:rPr lang="sr-Latn-RS" dirty="0"/>
+              <a:t>)</a:t>
+            </a:r>
+          </a:p>
+          <a:p>
+            <a:pPr lvl="1"/>
+            <a:r>
+              <a:rPr lang="sr-Latn-RS" dirty="0"/>
+              <a:t> prepoznavanje teksta sa slike</a:t>
+            </a:r>
+          </a:p>
+          <a:p>
+            <a:r>
+              <a:rPr lang="sr-Latn-RS" dirty="0"/>
+              <a:t>Koristi tehnike dubokog učenja i obrade slike</a:t>
+            </a:r>
+          </a:p>
+          <a:p>
+            <a:r>
+              <a:rPr lang="sr-Latn-RS" dirty="0" err="1"/>
+              <a:t>PaddleOCR</a:t>
+            </a:r>
+            <a:r>
+              <a:rPr lang="sr-Latn-RS" dirty="0"/>
+              <a:t> i </a:t>
+            </a:r>
+            <a:r>
+              <a:rPr lang="sr-Latn-RS" dirty="0" err="1"/>
+              <a:t>Tesseract</a:t>
+            </a:r>
+            <a:r>
+              <a:rPr lang="sr-Latn-RS" dirty="0"/>
+              <a:t> kao alati</a:t>
+            </a:r>
+          </a:p>
+          <a:p>
+            <a:r>
+              <a:rPr lang="sr-Latn-RS" dirty="0"/>
+              <a:t>Izlaz: prepoznati string karaktera</a:t>
+            </a:r>
+          </a:p>
+        </p:txBody>
+      </p:sp>
+    </p:spTree>
+    <p:extLst>
+      <p:ext uri="{BB962C8B-B14F-4D97-AF65-F5344CB8AC3E}">
+        <p14:creationId xmlns:p14="http://schemas.microsoft.com/office/powerpoint/2010/main" val="2631476622"/>
+      </p:ext>
+    </p:extLst>
+  </p:cSld>
+  <p:clrMapOvr>
+    <a:masterClrMapping/>
+  </p:clrMapOvr>
+  <mc:AlternateContent xmlns:mc="http://schemas.openxmlformats.org/markup-compatibility/2006">
+    <mc:Choice xmlns:p14="http://schemas.microsoft.com/office/powerpoint/2010/main" Requires="p14">
+      <p:transition spd="med" p14:dur="700">
+        <p:fade/>
+      </p:transition>
+    </mc:Choice>
+    <mc:Fallback>
+      <p:transition spd="med">
+        <p:fade/>
+      </p:transition>
+    </mc:Fallback>
+  </mc:AlternateContent>
+</p:sld>
+</file>
+
+<file path=ppt/slides/slide6.xml><?xml version="1.0" encoding="utf-8"?>
+<p:sld xmlns:a="http://schemas.openxmlformats.org/drawingml/2006/main" xmlns:r="http://schemas.openxmlformats.org/officeDocument/2006/relationships" xmlns:p="http://schemas.openxmlformats.org/presentationml/2006/main">
+  <p:cSld>
+    <p:spTree>
+      <p:nvGrpSpPr>
+        <p:cNvPr id="1" name=""/>
+        <p:cNvGrpSpPr/>
+        <p:nvPr/>
+      </p:nvGrpSpPr>
+      <p:grpSpPr>
+        <a:xfrm>
+          <a:off x="0" y="0"/>
+          <a:ext cx="0" cy="0"/>
+          <a:chOff x="0" y="0"/>
+          <a:chExt cx="0" cy="0"/>
+        </a:xfrm>
+      </p:grpSpPr>
+      <p:sp>
+        <p:nvSpPr>
+          <p:cNvPr id="2" name="Title 1">
+            <a:extLst>
+              <a:ext uri="{FF2B5EF4-FFF2-40B4-BE49-F238E27FC236}">
+                <a16:creationId xmlns:a16="http://schemas.microsoft.com/office/drawing/2014/main" id="{D957BBE9-95C5-55DA-0807-F51FE48637A3}"/>
+              </a:ext>
+            </a:extLst>
+          </p:cNvPr>
+          <p:cNvSpPr>
+            <a:spLocks noGrp="1"/>
+          </p:cNvSpPr>
+          <p:nvPr>
+            <p:ph type="title"/>
+          </p:nvPr>
+        </p:nvSpPr>
+        <p:spPr/>
+        <p:txBody>
+          <a:bodyPr/>
+          <a:lstStyle/>
+          <a:p>
+            <a:r>
+              <a:rPr lang="sr-Latn-RS" dirty="0"/>
+              <a:t>Skup podataka</a:t>
+            </a:r>
+          </a:p>
+        </p:txBody>
+      </p:sp>
+      <p:sp>
+        <p:nvSpPr>
+          <p:cNvPr id="3" name="Content Placeholder 2">
+            <a:extLst>
+              <a:ext uri="{FF2B5EF4-FFF2-40B4-BE49-F238E27FC236}">
+                <a16:creationId xmlns:a16="http://schemas.microsoft.com/office/drawing/2014/main" id="{59689606-E4EA-3CF7-4CDD-408528998578}"/>
+              </a:ext>
+            </a:extLst>
+          </p:cNvPr>
+          <p:cNvSpPr>
+            <a:spLocks noGrp="1"/>
+          </p:cNvSpPr>
+          <p:nvPr>
+            <p:ph idx="1"/>
+          </p:nvPr>
+        </p:nvSpPr>
+        <p:spPr/>
+        <p:txBody>
+          <a:bodyPr/>
+          <a:lstStyle/>
+          <a:p>
+            <a:r>
+              <a:rPr lang="sr-Latn-RS" dirty="0"/>
+              <a:t>Prikupljene slike sa sajta polovniautomobili.com</a:t>
+            </a:r>
+          </a:p>
+          <a:p>
+            <a:r>
+              <a:rPr lang="sr-Latn-RS" dirty="0"/>
+              <a:t>Ručna anotacija korišćenjem </a:t>
+            </a:r>
+            <a:r>
+              <a:rPr lang="sr-Latn-RS" dirty="0" err="1"/>
+              <a:t>Label</a:t>
+            </a:r>
+            <a:r>
+              <a:rPr lang="sr-Latn-RS" dirty="0"/>
+              <a:t> Studio</a:t>
+            </a:r>
+          </a:p>
+          <a:p>
+            <a:r>
+              <a:rPr lang="sr-Latn-RS" dirty="0"/>
+              <a:t>Podaci pripremljeni u YOLO formatu</a:t>
+            </a:r>
+          </a:p>
+          <a:p>
+            <a:r>
+              <a:rPr lang="sr-Latn-RS" dirty="0" err="1"/>
+              <a:t>Augmentacija</a:t>
+            </a:r>
+            <a:r>
+              <a:rPr lang="sr-Latn-RS" dirty="0"/>
+              <a:t>: rotacija, ogledanje, promena kontrasta, osvetljenja, dodavanje šuma</a:t>
+            </a:r>
+          </a:p>
+        </p:txBody>
+      </p:sp>
+    </p:spTree>
+    <p:extLst>
+      <p:ext uri="{BB962C8B-B14F-4D97-AF65-F5344CB8AC3E}">
+        <p14:creationId xmlns:p14="http://schemas.microsoft.com/office/powerpoint/2010/main" val="3746128746"/>
+      </p:ext>
+    </p:extLst>
+  </p:cSld>
+  <p:clrMapOvr>
+    <a:masterClrMapping/>
+  </p:clrMapOvr>
+  <mc:AlternateContent xmlns:mc="http://schemas.openxmlformats.org/markup-compatibility/2006" xmlns:p14="http://schemas.microsoft.com/office/powerpoint/2010/main">
+    <mc:Choice Requires="p14">
+      <p:transition spd="med" p14:dur="700">
+        <p:fade/>
+      </p:transition>
+    </mc:Choice>
+    <mc:Fallback xmlns="">
+      <p:transition spd="med">
+        <p:fade/>
+      </p:transition>
+    </mc:Fallback>
+  </mc:AlternateContent>
+</p:sld>
+</file>
+
+<file path=ppt/slides/slide7.xml><?xml version="1.0" encoding="utf-8"?>
+<p:sld xmlns:a="http://schemas.openxmlformats.org/drawingml/2006/main" xmlns:r="http://schemas.openxmlformats.org/officeDocument/2006/relationships" xmlns:p="http://schemas.openxmlformats.org/presentationml/2006/main">
+  <p:cSld>
+    <p:spTree>
+      <p:nvGrpSpPr>
+        <p:cNvPr id="1" name=""/>
+        <p:cNvGrpSpPr/>
+        <p:nvPr/>
+      </p:nvGrpSpPr>
+      <p:grpSpPr>
+        <a:xfrm>
+          <a:off x="0" y="0"/>
+          <a:ext cx="0" cy="0"/>
+          <a:chOff x="0" y="0"/>
+          <a:chExt cx="0" cy="0"/>
+        </a:xfrm>
+      </p:grpSpPr>
+      <p:sp>
+        <p:nvSpPr>
+          <p:cNvPr id="2" name="Title 1">
+            <a:extLst>
+              <a:ext uri="{FF2B5EF4-FFF2-40B4-BE49-F238E27FC236}">
                 <a16:creationId xmlns:a16="http://schemas.microsoft.com/office/drawing/2014/main" id="{0680EEE5-9216-33AB-2978-9652FEFB6B14}"/>
               </a:ext>
             </a:extLst>
@@ -10447,13 +13671,13 @@
   <p:clrMapOvr>
     <a:masterClrMapping/>
   </p:clrMapOvr>
-  <mc:AlternateContent xmlns:mc="http://schemas.openxmlformats.org/markup-compatibility/2006">
-    <mc:Choice xmlns:p14="http://schemas.microsoft.com/office/powerpoint/2010/main" Requires="p14">
+  <mc:AlternateContent xmlns:mc="http://schemas.openxmlformats.org/markup-compatibility/2006" xmlns:p14="http://schemas.microsoft.com/office/powerpoint/2010/main">
+    <mc:Choice Requires="p14">
       <p:transition spd="med" p14:dur="700">
         <p:fade/>
       </p:transition>
     </mc:Choice>
-    <mc:Fallback>
+    <mc:Fallback xmlns="">
       <p:transition spd="med">
         <p:fade/>
       </p:transition>
@@ -10462,7 +13686,7 @@
 </p:sld>
 </file>
 
-<file path=ppt/slides/slide6.xml><?xml version="1.0" encoding="utf-8"?>
+<file path=ppt/slides/slide8.xml><?xml version="1.0" encoding="utf-8"?>
 <p:sld xmlns:a="http://schemas.openxmlformats.org/drawingml/2006/main" xmlns:r="http://schemas.openxmlformats.org/officeDocument/2006/relationships" xmlns:p="http://schemas.openxmlformats.org/presentationml/2006/main">
   <p:cSld>
     <p:spTree>
@@ -10552,13 +13776,13 @@
   <p:clrMapOvr>
     <a:masterClrMapping/>
   </p:clrMapOvr>
-  <mc:AlternateContent xmlns:mc="http://schemas.openxmlformats.org/markup-compatibility/2006">
-    <mc:Choice xmlns:p14="http://schemas.microsoft.com/office/powerpoint/2010/main" Requires="p14">
+  <mc:AlternateContent xmlns:mc="http://schemas.openxmlformats.org/markup-compatibility/2006" xmlns:p14="http://schemas.microsoft.com/office/powerpoint/2010/main">
+    <mc:Choice Requires="p14">
       <p:transition spd="med" p14:dur="700">
         <p:fade/>
       </p:transition>
     </mc:Choice>
-    <mc:Fallback>
+    <mc:Fallback xmlns="">
       <p:transition spd="med">
         <p:fade/>
       </p:transition>
@@ -10567,7 +13791,7 @@
 </p:sld>
 </file>
 
-<file path=ppt/slides/slide7.xml><?xml version="1.0" encoding="utf-8"?>
+<file path=ppt/slides/slide9.xml><?xml version="1.0" encoding="utf-8"?>
 <p:sld xmlns:a="http://schemas.openxmlformats.org/drawingml/2006/main" xmlns:r="http://schemas.openxmlformats.org/officeDocument/2006/relationships" xmlns:p="http://schemas.openxmlformats.org/presentationml/2006/main">
   <p:cSld>
     <p:spTree>
@@ -10716,237 +13940,12 @@
   </p:clrMapOvr>
   <mc:AlternateContent xmlns:mc="http://schemas.openxmlformats.org/markup-compatibility/2006">
     <mc:Choice xmlns:p159="http://schemas.microsoft.com/office/powerpoint/2015/09/main" Requires="p159">
-      <p:transition xmlns:p14="http://schemas.microsoft.com/office/powerpoint/2010/main" spd="slow" p14:dur="2000">
+      <p:transition>
         <p159:morph option="byObject"/>
       </p:transition>
     </mc:Choice>
     <mc:Fallback>
-      <p:transition spd="slow">
-        <p:fade/>
-      </p:transition>
-    </mc:Fallback>
-  </mc:AlternateContent>
-</p:sld>
-</file>
-
-<file path=ppt/slides/slide8.xml><?xml version="1.0" encoding="utf-8"?>
-<p:sld xmlns:a="http://schemas.openxmlformats.org/drawingml/2006/main" xmlns:r="http://schemas.openxmlformats.org/officeDocument/2006/relationships" xmlns:p="http://schemas.openxmlformats.org/presentationml/2006/main">
-  <p:cSld>
-    <p:spTree>
-      <p:nvGrpSpPr>
-        <p:cNvPr id="1" name="">
-          <a:extLst>
-            <a:ext uri="{FF2B5EF4-FFF2-40B4-BE49-F238E27FC236}">
-              <a16:creationId xmlns:a16="http://schemas.microsoft.com/office/drawing/2014/main" id="{214AF5C9-1248-BBF3-48A2-C14CF28DAE50}"/>
-            </a:ext>
-          </a:extLst>
-        </p:cNvPr>
-        <p:cNvGrpSpPr/>
-        <p:nvPr/>
-      </p:nvGrpSpPr>
-      <p:grpSpPr>
-        <a:xfrm>
-          <a:off x="0" y="0"/>
-          <a:ext cx="0" cy="0"/>
-          <a:chOff x="0" y="0"/>
-          <a:chExt cx="0" cy="0"/>
-        </a:xfrm>
-      </p:grpSpPr>
-      <p:sp>
-        <p:nvSpPr>
-          <p:cNvPr id="2" name="Title 1">
-            <a:extLst>
-              <a:ext uri="{FF2B5EF4-FFF2-40B4-BE49-F238E27FC236}">
-                <a16:creationId xmlns:a16="http://schemas.microsoft.com/office/drawing/2014/main" id="{CF38EEAF-9F9F-D493-9841-3FEED14FEC54}"/>
-              </a:ext>
-            </a:extLst>
-          </p:cNvPr>
-          <p:cNvSpPr>
-            <a:spLocks noGrp="1"/>
-          </p:cNvSpPr>
-          <p:nvPr>
-            <p:ph type="title"/>
-          </p:nvPr>
-        </p:nvSpPr>
-        <p:spPr/>
-        <p:txBody>
-          <a:bodyPr/>
-          <a:lstStyle/>
-          <a:p>
-            <a:r>
-              <a:rPr lang="sr-Latn-RS" dirty="0"/>
-              <a:t>Demonstracija - isecanje</a:t>
-            </a:r>
-          </a:p>
-        </p:txBody>
-      </p:sp>
-      <p:pic>
-        <p:nvPicPr>
-          <p:cNvPr id="5" name="Content Placeholder 4">
-            <a:extLst>
-              <a:ext uri="{FF2B5EF4-FFF2-40B4-BE49-F238E27FC236}">
-                <a16:creationId xmlns:a16="http://schemas.microsoft.com/office/drawing/2014/main" id="{494BDAE5-34F2-261B-5D86-6C5FCF082D18}"/>
-              </a:ext>
-            </a:extLst>
-          </p:cNvPr>
-          <p:cNvPicPr>
-            <a:picLocks noGrp="1" noChangeAspect="1"/>
-          </p:cNvPicPr>
-          <p:nvPr>
-            <p:ph idx="1"/>
-          </p:nvPr>
-        </p:nvPicPr>
-        <p:blipFill>
-          <a:blip r:embed="rId2">
-            <a:extLst>
-              <a:ext uri="{28A0092B-C50C-407E-A947-70E740481C1C}">
-                <a14:useLocalDpi xmlns:a14="http://schemas.microsoft.com/office/drawing/2010/main" val="0"/>
-              </a:ext>
-            </a:extLst>
-          </a:blip>
-          <a:srcRect l="35979" t="69345" r="38763" b="23629"/>
-          <a:stretch>
-            <a:fillRect/>
-          </a:stretch>
-        </p:blipFill>
-        <p:spPr>
-          <a:xfrm>
-            <a:off x="677334" y="2911674"/>
-            <a:ext cx="4959201" cy="1034652"/>
-          </a:xfrm>
-        </p:spPr>
-      </p:pic>
-    </p:spTree>
-    <p:extLst>
-      <p:ext uri="{BB962C8B-B14F-4D97-AF65-F5344CB8AC3E}">
-        <p14:creationId xmlns:p14="http://schemas.microsoft.com/office/powerpoint/2010/main" val="3786093474"/>
-      </p:ext>
-    </p:extLst>
-  </p:cSld>
-  <p:clrMapOvr>
-    <a:masterClrMapping/>
-  </p:clrMapOvr>
-  <mc:AlternateContent xmlns:mc="http://schemas.openxmlformats.org/markup-compatibility/2006">
-    <mc:Choice xmlns:p159="http://schemas.microsoft.com/office/powerpoint/2015/09/main" Requires="p159">
-      <p:transition xmlns:p14="http://schemas.microsoft.com/office/powerpoint/2010/main" spd="slow" p14:dur="2000">
-        <p159:morph option="byObject"/>
-      </p:transition>
-    </mc:Choice>
-    <mc:Fallback>
-      <p:transition spd="slow">
-        <p:fade/>
-      </p:transition>
-    </mc:Fallback>
-  </mc:AlternateContent>
-</p:sld>
-</file>
-
-<file path=ppt/slides/slide9.xml><?xml version="1.0" encoding="utf-8"?>
-<p:sld xmlns:a="http://schemas.openxmlformats.org/drawingml/2006/main" xmlns:r="http://schemas.openxmlformats.org/officeDocument/2006/relationships" xmlns:p="http://schemas.openxmlformats.org/presentationml/2006/main">
-  <p:cSld>
-    <p:spTree>
-      <p:nvGrpSpPr>
-        <p:cNvPr id="1" name="">
-          <a:extLst>
-            <a:ext uri="{FF2B5EF4-FFF2-40B4-BE49-F238E27FC236}">
-              <a16:creationId xmlns:a16="http://schemas.microsoft.com/office/drawing/2014/main" id="{6197CAA7-4FBF-401E-9BB4-D40F7F2B1267}"/>
-            </a:ext>
-          </a:extLst>
-        </p:cNvPr>
-        <p:cNvGrpSpPr/>
-        <p:nvPr/>
-      </p:nvGrpSpPr>
-      <p:grpSpPr>
-        <a:xfrm>
-          <a:off x="0" y="0"/>
-          <a:ext cx="0" cy="0"/>
-          <a:chOff x="0" y="0"/>
-          <a:chExt cx="0" cy="0"/>
-        </a:xfrm>
-      </p:grpSpPr>
-      <p:sp>
-        <p:nvSpPr>
-          <p:cNvPr id="2" name="Title 1">
-            <a:extLst>
-              <a:ext uri="{FF2B5EF4-FFF2-40B4-BE49-F238E27FC236}">
-                <a16:creationId xmlns:a16="http://schemas.microsoft.com/office/drawing/2014/main" id="{41D5232A-D700-B4BE-FFB8-E315CF736FAD}"/>
-              </a:ext>
-            </a:extLst>
-          </p:cNvPr>
-          <p:cNvSpPr>
-            <a:spLocks noGrp="1"/>
-          </p:cNvSpPr>
-          <p:nvPr>
-            <p:ph type="title"/>
-          </p:nvPr>
-        </p:nvSpPr>
-        <p:spPr/>
-        <p:txBody>
-          <a:bodyPr/>
-          <a:lstStyle/>
-          <a:p>
-            <a:r>
-              <a:rPr lang="sr-Latn-RS" dirty="0"/>
-              <a:t>Demonstracija – obrada slike</a:t>
-            </a:r>
-          </a:p>
-        </p:txBody>
-      </p:sp>
-      <p:pic>
-        <p:nvPicPr>
-          <p:cNvPr id="5" name="Content Placeholder 4">
-            <a:extLst>
-              <a:ext uri="{FF2B5EF4-FFF2-40B4-BE49-F238E27FC236}">
-                <a16:creationId xmlns:a16="http://schemas.microsoft.com/office/drawing/2014/main" id="{27FDACB5-E786-904F-3AAF-2EE89C9F4894}"/>
-              </a:ext>
-            </a:extLst>
-          </p:cNvPr>
-          <p:cNvPicPr>
-            <a:picLocks noGrp="1" noChangeAspect="1"/>
-          </p:cNvPicPr>
-          <p:nvPr>
-            <p:ph idx="1"/>
-          </p:nvPr>
-        </p:nvPicPr>
-        <p:blipFill>
-          <a:blip r:embed="rId2">
-            <a:biLevel thresh="50000"/>
-            <a:extLst>
-              <a:ext uri="{28A0092B-C50C-407E-A947-70E740481C1C}">
-                <a14:useLocalDpi xmlns:a14="http://schemas.microsoft.com/office/drawing/2010/main" val="0"/>
-              </a:ext>
-            </a:extLst>
-          </a:blip>
-          <a:srcRect l="35979" t="69345" r="38763" b="23629"/>
-          <a:stretch>
-            <a:fillRect/>
-          </a:stretch>
-        </p:blipFill>
-        <p:spPr>
-          <a:xfrm>
-            <a:off x="677334" y="2911674"/>
-            <a:ext cx="4959201" cy="1034652"/>
-          </a:xfrm>
-        </p:spPr>
-      </p:pic>
-    </p:spTree>
-    <p:extLst>
-      <p:ext uri="{BB962C8B-B14F-4D97-AF65-F5344CB8AC3E}">
-        <p14:creationId xmlns:p14="http://schemas.microsoft.com/office/powerpoint/2010/main" val="34627041"/>
-      </p:ext>
-    </p:extLst>
-  </p:cSld>
-  <p:clrMapOvr>
-    <a:masterClrMapping/>
-  </p:clrMapOvr>
-  <mc:AlternateContent xmlns:mc="http://schemas.openxmlformats.org/markup-compatibility/2006">
-    <mc:Choice xmlns:p159="http://schemas.microsoft.com/office/powerpoint/2015/09/main" Requires="p159">
-      <p:transition xmlns:p14="http://schemas.microsoft.com/office/powerpoint/2010/main" spd="slow" p14:dur="2000">
-        <p159:morph option="byObject"/>
-      </p:transition>
-    </mc:Choice>
-    <mc:Fallback>
-      <p:transition spd="slow">
+      <p:transition>
         <p:fade/>
       </p:transition>
     </mc:Fallback>
